--- a/resources/reactive_python_slides_v2.pptx
+++ b/resources/reactive_python_slides_v2.pptx
@@ -144,10 +144,25 @@
   </p:defaultTextStyle>
   <p:extLst>
     <p:ext uri="{EFAFB233-063F-42B5-8137-9DF3F51BA10A}">
-      <p15:sldGuideLst xmlns="" xmlns:p15="http://schemas.microsoft.com/office/powerpoint/2012/main"/>
+      <p15:sldGuideLst xmlns:p15="http://schemas.microsoft.com/office/powerpoint/2012/main">
+        <p15:guide id="1" orient="horz" pos="2160">
+          <p15:clr>
+            <a:srgbClr val="A4A3A4"/>
+          </p15:clr>
+        </p15:guide>
+        <p15:guide id="2" pos="3840">
+          <p15:clr>
+            <a:srgbClr val="A4A3A4"/>
+          </p15:clr>
+        </p15:guide>
+      </p15:sldGuideLst>
     </p:ext>
   </p:extLst>
 </p:presentation>
+</file>
+
+<file path=ppt/revisionInfo.xml><?xml version="1.0" encoding="utf-8"?>
+<p1510:revInfo xmlns:a="http://schemas.openxmlformats.org/drawingml/2006/main" xmlns:r="http://schemas.openxmlformats.org/officeDocument/2006/relationships" xmlns:p1510="http://schemas.microsoft.com/office/powerpoint/2015/10/main"/>
 </file>
 
 <file path=ppt/notesMasters/notesMaster1.xml><?xml version="1.0" encoding="utf-8"?>
@@ -232,7 +247,7 @@
           <a:p>
             <a:fld id="{D68E09DD-A271-4E46-9B09-7316EE422583}" type="datetimeFigureOut">
               <a:rPr lang="en-US"/>
-              <a:t>8/25/2017</a:t>
+              <a:t>8/27/2017</a:t>
             </a:fld>
             <a:endParaRPr lang="en-US"/>
           </a:p>
@@ -893,7 +908,7 @@
           <a:p>
             <a:fld id="{4BDF68E2-58F2-4D09-BE8B-E3BD06533059}" type="datetimeFigureOut">
               <a:rPr lang="en-US" dirty="0"/>
-              <a:t>8/25/2017</a:t>
+              <a:t>8/27/2017</a:t>
             </a:fld>
             <a:endParaRPr lang="en-US" dirty="0"/>
           </a:p>
@@ -1096,7 +1111,7 @@
           <a:p>
             <a:fld id="{2E2D6473-DF6D-4702-B328-E0DD40540A4E}" type="datetimeFigureOut">
               <a:rPr lang="en-US" dirty="0"/>
-              <a:t>8/25/2017</a:t>
+              <a:t>8/27/2017</a:t>
             </a:fld>
             <a:endParaRPr lang="en-US" dirty="0"/>
           </a:p>
@@ -1347,7 +1362,7 @@
           <a:p>
             <a:fld id="{E26F7E3A-B166-407D-9866-32884E7D5B37}" type="datetimeFigureOut">
               <a:rPr lang="en-US" dirty="0"/>
-              <a:t>8/25/2017</a:t>
+              <a:t>8/27/2017</a:t>
             </a:fld>
             <a:endParaRPr lang="en-US" dirty="0"/>
           </a:p>
@@ -1516,7 +1531,7 @@
           <a:p>
             <a:fld id="{528FC5F6-F338-4AE4-BB23-26385BCFC423}" type="datetimeFigureOut">
               <a:rPr lang="en-US" dirty="0"/>
-              <a:t>8/25/2017</a:t>
+              <a:t>8/27/2017</a:t>
             </a:fld>
             <a:endParaRPr lang="en-US" dirty="0"/>
           </a:p>
@@ -1854,7 +1869,7 @@
           <a:p>
             <a:fld id="{20EBB0C4-6273-4C6E-B9BD-2EDC30F1CD52}" type="datetimeFigureOut">
               <a:rPr lang="en-US" dirty="0"/>
-              <a:t>8/25/2017</a:t>
+              <a:t>8/27/2017</a:t>
             </a:fld>
             <a:endParaRPr lang="en-US" dirty="0"/>
           </a:p>
@@ -2124,7 +2139,7 @@
           <a:p>
             <a:fld id="{19AB4D41-86C1-4908-B66A-0B50CEB3BF29}" type="datetimeFigureOut">
               <a:rPr lang="en-US" dirty="0"/>
-              <a:t>8/25/2017</a:t>
+              <a:t>8/27/2017</a:t>
             </a:fld>
             <a:endParaRPr lang="en-US" dirty="0"/>
           </a:p>
@@ -2498,7 +2513,7 @@
           <a:p>
             <a:fld id="{E6426E2C-56C1-4E0D-A793-0088A7FDD37E}" type="datetimeFigureOut">
               <a:rPr lang="en-US" dirty="0"/>
-              <a:t>8/25/2017</a:t>
+              <a:t>8/27/2017</a:t>
             </a:fld>
             <a:endParaRPr lang="en-US" dirty="0"/>
           </a:p>
@@ -2611,7 +2626,7 @@
           <a:p>
             <a:fld id="{C8C39B41-D8B5-4052-B551-9B5525EAA8B6}" type="datetimeFigureOut">
               <a:rPr lang="en-US" dirty="0"/>
-              <a:t>8/25/2017</a:t>
+              <a:t>8/27/2017</a:t>
             </a:fld>
             <a:endParaRPr lang="en-US" dirty="0"/>
           </a:p>
@@ -2777,7 +2792,7 @@
           <a:p>
             <a:fld id="{4D94136C-8742-45B2-AF27-D93DF72833A9}" type="datetimeFigureOut">
               <a:rPr lang="en-US" dirty="0"/>
-              <a:t>8/25/2017</a:t>
+              <a:t>8/27/2017</a:t>
             </a:fld>
             <a:endParaRPr lang="en-US" dirty="0"/>
           </a:p>
@@ -3127,7 +3142,7 @@
           <a:p>
             <a:fld id="{32ABBEA6-7C60-4B02-AE87-00D78D8422AF}" type="datetimeFigureOut">
               <a:rPr lang="en-US" dirty="0"/>
-              <a:t>8/25/2017</a:t>
+              <a:t>8/27/2017</a:t>
             </a:fld>
             <a:endParaRPr lang="en-US" dirty="0"/>
           </a:p>
@@ -3502,7 +3517,7 @@
           <a:p>
             <a:fld id="{C9CAD897-D46E-4AD2-BD9B-49DD3E640873}" type="datetimeFigureOut">
               <a:rPr lang="en-US" dirty="0"/>
-              <a:t>8/25/2017</a:t>
+              <a:t>8/27/2017</a:t>
             </a:fld>
             <a:endParaRPr lang="en-US" dirty="0"/>
           </a:p>
@@ -3784,7 +3799,7 @@
           <a:p>
             <a:fld id="{98624D31-43A5-475A-80CF-332C9F6DCF35}" type="datetimeFigureOut">
               <a:rPr lang="en-US" dirty="0"/>
-              <a:t>8/25/2017</a:t>
+              <a:t>8/27/2017</a:t>
             </a:fld>
             <a:endParaRPr lang="en-US" dirty="0"/>
           </a:p>
@@ -4323,10 +4338,9 @@
           <a:lstStyle/>
           <a:p>
             <a:r>
-              <a:rPr lang="en-US" dirty="0" smtClean="0"/>
+              <a:rPr lang="en-US" dirty="0"/>
               <a:t>Reactive Python</a:t>
             </a:r>
-            <a:endParaRPr lang="en-US" dirty="0"/>
           </a:p>
         </p:txBody>
       </p:sp>
@@ -4354,11 +4368,7 @@
           <a:p>
             <a:r>
               <a:rPr lang="en-US" dirty="0"/>
-              <a:t>for Data </a:t>
-            </a:r>
-            <a:r>
-              <a:rPr lang="en-US" dirty="0" smtClean="0"/>
-              <a:t>Science</a:t>
+              <a:t>for Data Science</a:t>
             </a:r>
             <a:endParaRPr lang="en-US" dirty="0">
               <a:solidFill>
@@ -4402,13 +4412,6 @@
   <p:clrMapOvr>
     <a:masterClrMapping/>
   </p:clrMapOvr>
-  <p:timing>
-    <p:tnLst>
-      <p:par>
-        <p:cTn id="1" dur="indefinite" restart="never" nodeType="tmRoot"/>
-      </p:par>
-    </p:tnLst>
-  </p:timing>
 </p:sld>
 </file>
 
@@ -4445,10 +4448,9 @@
           <a:lstStyle/>
           <a:p>
             <a:r>
-              <a:rPr lang="en-US" dirty="0" smtClean="0"/>
+              <a:rPr lang="en-US" dirty="0"/>
               <a:t>Thinking Reactively</a:t>
             </a:r>
-            <a:endParaRPr lang="en-US" dirty="0"/>
           </a:p>
         </p:txBody>
       </p:sp>
@@ -4470,49 +4472,29 @@
             <a:pPr lvl="0"/>
             <a:r>
               <a:rPr lang="en-US" dirty="0"/>
-              <a:t>Increasingly data is being modeled as something in </a:t>
-            </a:r>
-            <a:r>
-              <a:rPr lang="en-US" dirty="0" smtClean="0"/>
-              <a:t>motion.</a:t>
-            </a:r>
-            <a:endParaRPr lang="en-US" dirty="0"/>
+              <a:t>Increasingly data is being modeled as something in motion.</a:t>
+            </a:r>
           </a:p>
           <a:p>
             <a:pPr lvl="1"/>
             <a:r>
               <a:rPr lang="en-US" dirty="0"/>
-              <a:t>Stock market prices are always </a:t>
-            </a:r>
-            <a:r>
-              <a:rPr lang="en-US" dirty="0" smtClean="0"/>
-              <a:t>changing.</a:t>
-            </a:r>
-            <a:endParaRPr lang="en-US" dirty="0"/>
+              <a:t>Stock market prices are always changing.</a:t>
+            </a:r>
           </a:p>
           <a:p>
             <a:pPr lvl="1"/>
             <a:r>
               <a:rPr lang="en-US" dirty="0"/>
-              <a:t>An active topic on Twitter is always getting new </a:t>
-            </a:r>
-            <a:r>
-              <a:rPr lang="en-US" dirty="0" smtClean="0"/>
-              <a:t>Tweets.</a:t>
-            </a:r>
-            <a:endParaRPr lang="en-US" dirty="0"/>
+              <a:t>An active topic on Twitter is always getting new Tweets.</a:t>
+            </a:r>
           </a:p>
           <a:p>
             <a:pPr lvl="1"/>
             <a:r>
               <a:rPr lang="en-US" dirty="0"/>
-              <a:t>Large retailers have constant incoming sales </a:t>
-            </a:r>
-            <a:r>
-              <a:rPr lang="en-US" dirty="0" smtClean="0"/>
-              <a:t>data.</a:t>
-            </a:r>
-            <a:endParaRPr lang="en-US" dirty="0"/>
+              <a:t>Large retailers have constant incoming sales data.</a:t>
+            </a:r>
           </a:p>
           <a:p>
             <a:pPr lvl="1"/>
@@ -4522,13 +4504,8 @@
             <a:pPr lvl="0"/>
             <a:r>
               <a:rPr lang="en-US" dirty="0"/>
-              <a:t>For static data, we can model it being in motion as it is </a:t>
-            </a:r>
-            <a:r>
-              <a:rPr lang="en-US" dirty="0" smtClean="0"/>
-              <a:t>consumed.</a:t>
-            </a:r>
-            <a:endParaRPr lang="en-US" dirty="0"/>
+              <a:t>For static data, we can model it being in motion as it is consumed.</a:t>
+            </a:r>
           </a:p>
           <a:p>
             <a:pPr lvl="1"/>
@@ -4538,37 +4515,23 @@
             </a:r>
             <a:r>
               <a:rPr lang="en-US" dirty="0"/>
-              <a:t> each record from a SQL query, text file, or JSON request through a series of </a:t>
-            </a:r>
-            <a:r>
-              <a:rPr lang="en-US" dirty="0" smtClean="0"/>
-              <a:t>operations.</a:t>
-            </a:r>
-            <a:endParaRPr lang="en-US" dirty="0"/>
+              <a:t> each record from a SQL query, text file, or JSON request through a series of operations.</a:t>
+            </a:r>
           </a:p>
           <a:p>
             <a:pPr lvl="1"/>
             <a:r>
               <a:rPr lang="en-US" dirty="0"/>
-              <a:t>We can then model static data as “in motion” and therefore compose it with live event streams </a:t>
-            </a:r>
-            <a:r>
-              <a:rPr lang="en-US" dirty="0" smtClean="0"/>
-              <a:t>(</a:t>
-            </a:r>
-            <a:r>
-              <a:rPr lang="en-US" dirty="0"/>
-              <a:t>incoming Tweets, button clicks, time intervals, </a:t>
+              <a:t>We can then model static data as “in motion” and therefore compose it with live event streams (incoming Tweets, button clicks, time intervals, </a:t>
             </a:r>
             <a:r>
               <a:rPr lang="en-US" dirty="0" err="1"/>
               <a:t>etc</a:t>
             </a:r>
             <a:r>
-              <a:rPr lang="en-US" dirty="0" smtClean="0"/>
+              <a:rPr lang="en-US" dirty="0"/>
               <a:t>)).</a:t>
             </a:r>
-            <a:endParaRPr lang="en-US" dirty="0"/>
           </a:p>
         </p:txBody>
       </p:sp>
@@ -4904,18 +4867,17 @@
           <a:lstStyle/>
           <a:p>
             <a:r>
-              <a:rPr lang="en-US" dirty="0" smtClean="0"/>
+              <a:rPr lang="en-US" dirty="0"/>
               <a:t>What is </a:t>
             </a:r>
             <a:r>
-              <a:rPr lang="en-US" dirty="0" err="1" smtClean="0"/>
+              <a:rPr lang="en-US" dirty="0" err="1"/>
               <a:t>ReactiveX</a:t>
             </a:r>
             <a:r>
-              <a:rPr lang="en-US" dirty="0" smtClean="0"/>
+              <a:rPr lang="en-US" dirty="0"/>
               <a:t>?</a:t>
             </a:r>
-            <a:endParaRPr lang="en-US" dirty="0"/>
           </a:p>
         </p:txBody>
       </p:sp>
@@ -4959,124 +4921,108 @@
             </a:r>
             <a:r>
               <a:rPr lang="en-US" dirty="0"/>
-              <a:t>) is a reactive standard that first gained traction around 2010, and since then has officially been ported to over a dozen languages and </a:t>
-            </a:r>
-            <a:r>
-              <a:rPr lang="en-US" dirty="0" smtClean="0"/>
-              <a:t>platforms</a:t>
+              <a:t>) is a reactive standard that first gained traction around 2010, and since then has officially been ported to over a dozen languages and platforms</a:t>
             </a:r>
           </a:p>
           <a:p>
             <a:pPr lvl="1"/>
             <a:r>
-              <a:rPr lang="en-US" dirty="0" smtClean="0"/>
+              <a:rPr lang="en-US" dirty="0"/>
               <a:t>Java – </a:t>
             </a:r>
             <a:r>
-              <a:rPr lang="en-US" dirty="0" err="1" smtClean="0"/>
+              <a:rPr lang="en-US" dirty="0" err="1"/>
               <a:t>RxJava</a:t>
             </a:r>
-            <a:endParaRPr lang="en-US" dirty="0" smtClean="0"/>
+            <a:endParaRPr lang="en-US" dirty="0"/>
           </a:p>
           <a:p>
             <a:pPr lvl="1"/>
             <a:r>
-              <a:rPr lang="en-US" dirty="0" smtClean="0"/>
+              <a:rPr lang="en-US" dirty="0"/>
               <a:t>Python – </a:t>
             </a:r>
             <a:r>
-              <a:rPr lang="en-US" dirty="0" err="1" smtClean="0"/>
+              <a:rPr lang="en-US" dirty="0" err="1"/>
               <a:t>RxPy</a:t>
             </a:r>
-            <a:endParaRPr lang="en-US" dirty="0" smtClean="0"/>
+            <a:endParaRPr lang="en-US" dirty="0"/>
           </a:p>
           <a:p>
             <a:pPr lvl="1"/>
             <a:r>
-              <a:rPr lang="en-US" dirty="0" smtClean="0"/>
+              <a:rPr lang="en-US" dirty="0"/>
               <a:t>.NET – Rx.NET</a:t>
             </a:r>
           </a:p>
           <a:p>
             <a:pPr lvl="1"/>
             <a:r>
-              <a:rPr lang="en-US" dirty="0" smtClean="0"/>
+              <a:rPr lang="en-US" dirty="0"/>
               <a:t>JavaScript – </a:t>
             </a:r>
             <a:r>
-              <a:rPr lang="en-US" dirty="0" err="1" smtClean="0"/>
+              <a:rPr lang="en-US" dirty="0" err="1"/>
               <a:t>RxJS</a:t>
             </a:r>
-            <a:endParaRPr lang="en-US" dirty="0" smtClean="0"/>
+            <a:endParaRPr lang="en-US" dirty="0"/>
           </a:p>
           <a:p>
             <a:pPr lvl="1"/>
             <a:r>
-              <a:rPr lang="en-US" dirty="0" smtClean="0"/>
+              <a:rPr lang="en-US" dirty="0"/>
               <a:t>Scala – </a:t>
             </a:r>
             <a:r>
-              <a:rPr lang="en-US" dirty="0" err="1" smtClean="0"/>
+              <a:rPr lang="en-US" dirty="0" err="1"/>
               <a:t>RxScala</a:t>
             </a:r>
-            <a:endParaRPr lang="en-US" dirty="0" smtClean="0"/>
+            <a:endParaRPr lang="en-US" dirty="0"/>
           </a:p>
           <a:p>
             <a:pPr lvl="1"/>
             <a:r>
-              <a:rPr lang="en-US" dirty="0" err="1" smtClean="0"/>
+              <a:rPr lang="en-US" dirty="0" err="1"/>
               <a:t>Kotlin</a:t>
             </a:r>
             <a:r>
-              <a:rPr lang="en-US" dirty="0" smtClean="0"/>
+              <a:rPr lang="en-US" dirty="0"/>
               <a:t> – </a:t>
             </a:r>
             <a:r>
-              <a:rPr lang="en-US" dirty="0" err="1" smtClean="0"/>
+              <a:rPr lang="en-US" dirty="0" err="1"/>
               <a:t>RxKotlin</a:t>
             </a:r>
-            <a:endParaRPr lang="en-US" dirty="0" smtClean="0"/>
+            <a:endParaRPr lang="en-US" dirty="0"/>
           </a:p>
           <a:p>
             <a:pPr lvl="1"/>
             <a:r>
-              <a:rPr lang="en-US" dirty="0" smtClean="0"/>
+              <a:rPr lang="en-US" dirty="0"/>
               <a:t>Swift - </a:t>
             </a:r>
             <a:r>
-              <a:rPr lang="en-US" dirty="0" err="1" smtClean="0"/>
+              <a:rPr lang="en-US" dirty="0" err="1"/>
               <a:t>RxSwift</a:t>
             </a:r>
-            <a:endParaRPr lang="en-US" dirty="0" smtClean="0"/>
+            <a:endParaRPr lang="en-US" dirty="0"/>
           </a:p>
           <a:p>
             <a:pPr lvl="1"/>
-            <a:endParaRPr lang="en-US" dirty="0" smtClean="0"/>
-          </a:p>
-          <a:p>
-            <a:r>
-              <a:rPr lang="en-US" dirty="0" smtClean="0"/>
+            <a:endParaRPr lang="en-US" dirty="0"/>
+          </a:p>
+          <a:p>
+            <a:r>
+              <a:rPr lang="en-US" dirty="0"/>
               <a:t>Rx is everywhere! Learn more at </a:t>
-            </a:r>
-            <a:r>
-              <a:rPr lang="en-US" dirty="0" smtClean="0">
-                <a:hlinkClick r:id="rId2"/>
-              </a:rPr>
-              <a:t>http</a:t>
             </a:r>
             <a:r>
               <a:rPr lang="en-US" dirty="0">
                 <a:hlinkClick r:id="rId2"/>
               </a:rPr>
-              <a:t>://reactivex.io</a:t>
-            </a:r>
-            <a:r>
-              <a:rPr lang="en-US" dirty="0" smtClean="0">
-                <a:hlinkClick r:id="rId2"/>
-              </a:rPr>
-              <a:t>/</a:t>
-            </a:r>
-            <a:endParaRPr lang="en-US" dirty="0" smtClean="0"/>
+              <a:t>http://reactivex.io/</a:t>
+            </a:r>
+            <a:endParaRPr lang="en-US" dirty="0"/>
           </a:p>
           <a:p>
             <a:pPr marL="201168" lvl="1" indent="0">
@@ -5480,18 +5426,17 @@
           <a:lstStyle/>
           <a:p>
             <a:r>
-              <a:rPr lang="en-US" dirty="0" smtClean="0"/>
+              <a:rPr lang="en-US" dirty="0"/>
               <a:t>What is </a:t>
             </a:r>
             <a:r>
-              <a:rPr lang="en-US" dirty="0" err="1" smtClean="0"/>
+              <a:rPr lang="en-US" dirty="0" err="1"/>
               <a:t>ReactiveX</a:t>
             </a:r>
             <a:r>
-              <a:rPr lang="en-US" dirty="0" smtClean="0"/>
+              <a:rPr lang="en-US" dirty="0"/>
               <a:t>?</a:t>
             </a:r>
-            <a:endParaRPr lang="en-US" dirty="0"/>
           </a:p>
         </p:txBody>
       </p:sp>
@@ -5512,11 +5457,7 @@
           <a:p>
             <a:r>
               <a:rPr lang="en-US" dirty="0"/>
-              <a:t>Many definitions attempt to explain reactive programming</a:t>
-            </a:r>
-            <a:r>
-              <a:rPr lang="en-US" dirty="0" smtClean="0"/>
-              <a:t>:</a:t>
+              <a:t>Many definitions attempt to explain reactive programming:</a:t>
             </a:r>
           </a:p>
           <a:p>
@@ -5785,18 +5726,13 @@
           <a:lstStyle/>
           <a:p>
             <a:r>
-              <a:rPr lang="en-US" dirty="0" err="1" smtClean="0"/>
+              <a:rPr lang="en-US" dirty="0" err="1"/>
               <a:t>ReactiveX</a:t>
             </a:r>
             <a:r>
-              <a:rPr lang="en-US" dirty="0" smtClean="0"/>
-              <a:t> and Data </a:t>
-            </a:r>
-            <a:r>
-              <a:rPr lang="en-US" dirty="0" smtClean="0"/>
-              <a:t>Science</a:t>
-            </a:r>
-            <a:endParaRPr lang="en-US" dirty="0"/>
+              <a:rPr lang="en-US" dirty="0"/>
+              <a:t> and Data Science</a:t>
+            </a:r>
           </a:p>
         </p:txBody>
       </p:sp>
@@ -5826,11 +5762,7 @@
             </a:r>
             <a:r>
               <a:rPr lang="en-US" dirty="0"/>
-              <a:t> is a lightweight library that achieves </a:t>
-            </a:r>
-            <a:r>
-              <a:rPr lang="en-US" dirty="0" smtClean="0"/>
-              <a:t>this.</a:t>
+              <a:t> is a lightweight library that achieves this.</a:t>
             </a:r>
           </a:p>
           <a:p>
@@ -5841,11 +5773,7 @@
             <a:pPr lvl="0"/>
             <a:r>
               <a:rPr lang="en-US" dirty="0"/>
-              <a:t>Data does not have to be modeled as something static, but rather something that is constantly in </a:t>
-            </a:r>
-            <a:r>
-              <a:rPr lang="en-US" dirty="0" smtClean="0"/>
-              <a:t>motion.</a:t>
+              <a:t>Data does not have to be modeled as something static, but rather something that is constantly in motion.</a:t>
             </a:r>
           </a:p>
           <a:p>
@@ -5856,21 +5784,8 @@
             <a:pPr lvl="0"/>
             <a:r>
               <a:rPr lang="en-US" dirty="0"/>
-              <a:t>Data </a:t>
-            </a:r>
-            <a:r>
-              <a:rPr lang="en-US" dirty="0" smtClean="0"/>
-              <a:t>science and engineering professionals </a:t>
-            </a:r>
-            <a:r>
-              <a:rPr lang="en-US" dirty="0"/>
-              <a:t>should strive to create code that can plug into existing systems easily, as well as be reused and evolve with the </a:t>
-            </a:r>
-            <a:r>
-              <a:rPr lang="en-US" dirty="0" smtClean="0"/>
-              <a:t>business.</a:t>
-            </a:r>
-            <a:endParaRPr lang="en-US" dirty="0"/>
+              <a:t>Data science and engineering professionals should strive to create code that can plug into existing systems easily, as well as be reused and evolve with the business.</a:t>
+            </a:r>
           </a:p>
           <a:p>
             <a:pPr lvl="0"/>
@@ -6123,10 +6038,9 @@
           <a:lstStyle/>
           <a:p>
             <a:r>
-              <a:rPr lang="en-US" dirty="0" smtClean="0"/>
+              <a:rPr lang="en-US" dirty="0"/>
               <a:t>Section IV	</a:t>
             </a:r>
-            <a:endParaRPr lang="en-US" dirty="0"/>
           </a:p>
         </p:txBody>
       </p:sp>
@@ -6146,10 +6060,9 @@
           <a:lstStyle/>
           <a:p>
             <a:r>
-              <a:rPr lang="en-US" dirty="0" smtClean="0"/>
+              <a:rPr lang="en-US" dirty="0"/>
               <a:t>The Observable</a:t>
             </a:r>
-            <a:endParaRPr lang="en-US" dirty="0"/>
           </a:p>
         </p:txBody>
       </p:sp>
@@ -6163,13 +6076,6 @@
   <p:clrMapOvr>
     <a:masterClrMapping/>
   </p:clrMapOvr>
-  <p:timing>
-    <p:tnLst>
-      <p:par>
-        <p:cTn id="1" dur="indefinite" restart="never" nodeType="tmRoot"/>
-      </p:par>
-    </p:tnLst>
-  </p:timing>
 </p:sld>
 </file>
 
@@ -6206,10 +6112,9 @@
           <a:lstStyle/>
           <a:p>
             <a:r>
-              <a:rPr lang="en-US" dirty="0" smtClean="0"/>
+              <a:rPr lang="en-US" dirty="0"/>
               <a:t>Exercise 4.1</a:t>
             </a:r>
-            <a:endParaRPr lang="en-US" dirty="0"/>
           </a:p>
         </p:txBody>
       </p:sp>
@@ -6499,35 +6404,35 @@
           </a:lstStyle>
           <a:p>
             <a:r>
-              <a:rPr lang="en-US" smtClean="0"/>
+              <a:rPr lang="en-US"/>
               <a:t>Create an Observable that pushes the text values “Bravo”, “Charlie”, “Tango”, and “Foxtrot” then subscribe to print each emission.</a:t>
             </a:r>
           </a:p>
           <a:p>
-            <a:endParaRPr lang="en-US" smtClean="0"/>
+            <a:endParaRPr lang="en-US"/>
           </a:p>
           <a:p>
             <a:pPr lvl="2"/>
             <a:r>
-              <a:rPr lang="en-US" sz="1700" smtClean="0"/>
+              <a:rPr lang="en-US" sz="1700"/>
               <a:t>from rx import Observable</a:t>
             </a:r>
           </a:p>
           <a:p>
             <a:pPr lvl="2"/>
-            <a:endParaRPr lang="en-US" smtClean="0"/>
+            <a:endParaRPr lang="en-US"/>
           </a:p>
           <a:p>
             <a:pPr lvl="2"/>
             <a:r>
-              <a:rPr lang="en-US" sz="1700" smtClean="0"/>
+              <a:rPr lang="en-US" sz="1700"/>
               <a:t>Observable.from_(["Bravo", "Charlie", "Tango", "Foxtrot"]) \</a:t>
             </a:r>
           </a:p>
           <a:p>
             <a:pPr lvl="2"/>
             <a:r>
-              <a:rPr lang="en-US" sz="1700" smtClean="0"/>
+              <a:rPr lang="en-US" sz="1700"/>
               <a:t>    .subscribe(lambda s: print(s))</a:t>
             </a:r>
             <a:endParaRPr lang="en-US" sz="1700" dirty="0"/>
@@ -6721,10 +6626,9 @@
           <a:lstStyle/>
           <a:p>
             <a:r>
-              <a:rPr lang="en-US" dirty="0" smtClean="0"/>
+              <a:rPr lang="en-US" dirty="0"/>
               <a:t>Exercise 4.2</a:t>
             </a:r>
-            <a:endParaRPr lang="en-US" dirty="0"/>
           </a:p>
         </p:txBody>
       </p:sp>
@@ -7014,43 +6918,43 @@
           </a:lstStyle>
           <a:p>
             <a:r>
-              <a:rPr lang="en-US" smtClean="0"/>
+              <a:rPr lang="en-US"/>
               <a:t>Take the Observable from the previous exercise, map each emission to its length, and then subscribe to print each one.</a:t>
             </a:r>
           </a:p>
           <a:p>
             <a:pPr lvl="1"/>
-            <a:endParaRPr lang="en-US" smtClean="0"/>
+            <a:endParaRPr lang="en-US"/>
           </a:p>
           <a:p>
             <a:pPr lvl="1"/>
             <a:r>
-              <a:rPr lang="en-US" smtClean="0"/>
+              <a:rPr lang="en-US"/>
               <a:t>from rx import Observable</a:t>
             </a:r>
           </a:p>
           <a:p>
             <a:pPr lvl="1"/>
-            <a:endParaRPr lang="en-US" smtClean="0"/>
+            <a:endParaRPr lang="en-US"/>
           </a:p>
           <a:p>
             <a:pPr lvl="1"/>
             <a:r>
-              <a:rPr lang="en-US" smtClean="0"/>
+              <a:rPr lang="en-US"/>
               <a:t>Observable.from_(["Bravo", "Charlie", "Tango", "Foxtrot"]) \</a:t>
             </a:r>
           </a:p>
           <a:p>
             <a:pPr lvl="1"/>
             <a:r>
-              <a:rPr lang="en-US" smtClean="0"/>
+              <a:rPr lang="en-US"/>
               <a:t>    .map(lambda s: len(s)) \</a:t>
             </a:r>
           </a:p>
           <a:p>
             <a:pPr lvl="1"/>
             <a:r>
-              <a:rPr lang="en-US" smtClean="0"/>
+              <a:rPr lang="en-US"/>
               <a:t>    .subscribe(lambda i: print(i))</a:t>
             </a:r>
             <a:endParaRPr lang="en-US" dirty="0"/>
@@ -7275,10 +7179,9 @@
           <a:lstStyle/>
           <a:p>
             <a:r>
-              <a:rPr lang="en-US" dirty="0" smtClean="0"/>
+              <a:rPr lang="en-US" dirty="0"/>
               <a:t>Exercise 4.3</a:t>
             </a:r>
-            <a:endParaRPr lang="en-US" dirty="0"/>
           </a:p>
         </p:txBody>
       </p:sp>
@@ -7568,47 +7471,47 @@
           </a:lstStyle>
           <a:p>
             <a:r>
-              <a:rPr lang="en-US" smtClean="0"/>
+              <a:rPr lang="en-US"/>
               <a:t>Create an Observable that emits every 3 seconds, and prints each emission.</a:t>
             </a:r>
           </a:p>
           <a:p>
             <a:pPr lvl="1"/>
-            <a:endParaRPr lang="en-US" smtClean="0"/>
+            <a:endParaRPr lang="en-US"/>
           </a:p>
           <a:p>
             <a:pPr lvl="1"/>
             <a:r>
-              <a:rPr lang="en-US" smtClean="0"/>
+              <a:rPr lang="en-US"/>
               <a:t>from rx import Observable</a:t>
             </a:r>
           </a:p>
           <a:p>
             <a:pPr lvl="1"/>
-            <a:endParaRPr lang="en-US" smtClean="0"/>
+            <a:endParaRPr lang="en-US"/>
           </a:p>
           <a:p>
             <a:pPr lvl="1"/>
             <a:r>
-              <a:rPr lang="en-US" smtClean="0"/>
+              <a:rPr lang="en-US"/>
               <a:t>Observable.interval(3000) \</a:t>
             </a:r>
           </a:p>
           <a:p>
             <a:pPr lvl="1"/>
             <a:r>
-              <a:rPr lang="en-US" smtClean="0"/>
+              <a:rPr lang="en-US"/>
               <a:t>    .subscribe(lambda i: print(i))</a:t>
             </a:r>
           </a:p>
           <a:p>
             <a:pPr lvl="1"/>
-            <a:endParaRPr lang="en-US" smtClean="0"/>
+            <a:endParaRPr lang="en-US"/>
           </a:p>
           <a:p>
             <a:pPr lvl="1"/>
             <a:r>
-              <a:rPr lang="en-US" smtClean="0"/>
+              <a:rPr lang="en-US"/>
               <a:t>input("Press any key to quit\n")</a:t>
             </a:r>
             <a:endParaRPr lang="en-US" dirty="0"/>
@@ -7833,10 +7736,9 @@
           <a:lstStyle/>
           <a:p>
             <a:r>
-              <a:rPr lang="en-US" dirty="0" smtClean="0"/>
+              <a:rPr lang="en-US" dirty="0"/>
               <a:t>Section V	</a:t>
             </a:r>
-            <a:endParaRPr lang="en-US" dirty="0"/>
           </a:p>
         </p:txBody>
       </p:sp>
@@ -7856,10 +7758,9 @@
           <a:lstStyle/>
           <a:p>
             <a:r>
-              <a:rPr lang="en-US" dirty="0" smtClean="0"/>
+              <a:rPr lang="en-US" dirty="0"/>
               <a:t>Operators</a:t>
             </a:r>
-            <a:endParaRPr lang="en-US" dirty="0"/>
           </a:p>
         </p:txBody>
       </p:sp>
@@ -7873,13 +7774,6 @@
   <p:clrMapOvr>
     <a:masterClrMapping/>
   </p:clrMapOvr>
-  <p:timing>
-    <p:tnLst>
-      <p:par>
-        <p:cTn id="1" dur="indefinite" restart="never" nodeType="tmRoot"/>
-      </p:par>
-    </p:tnLst>
-  </p:timing>
 </p:sld>
 </file>
 
@@ -7916,10 +7810,9 @@
           <a:lstStyle/>
           <a:p>
             <a:r>
-              <a:rPr lang="en-US" dirty="0" smtClean="0"/>
+              <a:rPr lang="en-US" dirty="0"/>
               <a:t>Exercise 5.1</a:t>
             </a:r>
-            <a:endParaRPr lang="en-US" dirty="0"/>
           </a:p>
         </p:txBody>
       </p:sp>
@@ -8209,80 +8102,80 @@
           </a:lstStyle>
           <a:p>
             <a:r>
-              <a:rPr lang="en-US" dirty="0" smtClean="0"/>
+              <a:rPr lang="en-US" dirty="0"/>
               <a:t>Create an Observable that emits the text values "Bravo", "Charlie", "Tango", and "Foxtrot". Filter and take only the first value that is more than 5 characters in length, then print it.</a:t>
             </a:r>
           </a:p>
           <a:p>
-            <a:endParaRPr lang="en-US" dirty="0" smtClean="0"/>
+            <a:endParaRPr lang="en-US" dirty="0"/>
           </a:p>
           <a:p>
             <a:pPr lvl="1"/>
             <a:r>
-              <a:rPr lang="en-US" dirty="0" smtClean="0"/>
+              <a:rPr lang="en-US" dirty="0"/>
               <a:t>from </a:t>
             </a:r>
             <a:r>
-              <a:rPr lang="en-US" dirty="0" err="1" smtClean="0"/>
+              <a:rPr lang="en-US" dirty="0" err="1"/>
               <a:t>rx</a:t>
             </a:r>
             <a:r>
-              <a:rPr lang="en-US" dirty="0" smtClean="0"/>
+              <a:rPr lang="en-US" dirty="0"/>
               <a:t> import Observable</a:t>
             </a:r>
           </a:p>
           <a:p>
             <a:pPr lvl="1"/>
-            <a:endParaRPr lang="en-US" dirty="0" smtClean="0"/>
+            <a:endParaRPr lang="en-US" dirty="0"/>
           </a:p>
           <a:p>
             <a:pPr lvl="1"/>
             <a:r>
-              <a:rPr lang="en-US" dirty="0" err="1" smtClean="0"/>
+              <a:rPr lang="en-US" dirty="0" err="1"/>
               <a:t>Observable.from</a:t>
             </a:r>
             <a:r>
-              <a:rPr lang="en-US" dirty="0" smtClean="0"/>
+              <a:rPr lang="en-US" dirty="0"/>
               <a:t>_(["Bravo", "Charlie", "Tango", "Foxtrot"]) \</a:t>
             </a:r>
           </a:p>
           <a:p>
             <a:pPr lvl="1"/>
             <a:r>
-              <a:rPr lang="en-US" dirty="0" smtClean="0"/>
+              <a:rPr lang="en-US" dirty="0"/>
               <a:t>    .filter(lambda s: </a:t>
             </a:r>
             <a:r>
-              <a:rPr lang="en-US" dirty="0" err="1" smtClean="0"/>
+              <a:rPr lang="en-US" dirty="0" err="1"/>
               <a:t>len</a:t>
             </a:r>
             <a:r>
-              <a:rPr lang="en-US" dirty="0" smtClean="0"/>
+              <a:rPr lang="en-US" dirty="0"/>
               <a:t>(s) &gt; 5) \</a:t>
             </a:r>
           </a:p>
           <a:p>
             <a:pPr lvl="1"/>
             <a:r>
-              <a:rPr lang="en-US" dirty="0" smtClean="0"/>
+              <a:rPr lang="en-US" dirty="0"/>
               <a:t>    .take(1) \</a:t>
             </a:r>
           </a:p>
           <a:p>
             <a:pPr lvl="1"/>
             <a:r>
-              <a:rPr lang="en-US" dirty="0" smtClean="0"/>
+              <a:rPr lang="en-US" dirty="0"/>
               <a:t>    .subscribe(lambda s: print(s))</a:t>
             </a:r>
           </a:p>
           <a:p>
-            <a:endParaRPr lang="en-US" dirty="0" smtClean="0"/>
-          </a:p>
-          <a:p>
-            <a:endParaRPr lang="en-US" dirty="0" smtClean="0"/>
-          </a:p>
-          <a:p>
-            <a:endParaRPr lang="en-US" dirty="0" smtClean="0"/>
+            <a:endParaRPr lang="en-US" dirty="0"/>
+          </a:p>
+          <a:p>
+            <a:endParaRPr lang="en-US" dirty="0"/>
+          </a:p>
+          <a:p>
+            <a:endParaRPr lang="en-US" dirty="0"/>
           </a:p>
           <a:p>
             <a:endParaRPr lang="en-US" dirty="0"/>
@@ -8573,12 +8466,8 @@
           <a:p>
             <a:pPr lvl="0"/>
             <a:r>
-              <a:rPr lang="en-US" dirty="0" smtClean="0"/>
-              <a:t>1</a:t>
-            </a:r>
-            <a:r>
-              <a:rPr lang="en-US" dirty="0"/>
-              <a:t>) Why Reactive Programming?</a:t>
+              <a:rPr lang="en-US" dirty="0"/>
+              <a:t>1) Why Reactive Programming?</a:t>
             </a:r>
           </a:p>
           <a:p>
@@ -8653,13 +8542,6 @@
   <p:clrMapOvr>
     <a:masterClrMapping/>
   </p:clrMapOvr>
-  <p:timing>
-    <p:tnLst>
-      <p:par>
-        <p:cTn id="1" dur="indefinite" restart="never" nodeType="tmRoot"/>
-      </p:par>
-    </p:tnLst>
-  </p:timing>
 </p:sld>
 </file>
 
@@ -8696,10 +8578,9 @@
           <a:lstStyle/>
           <a:p>
             <a:r>
-              <a:rPr lang="en-US" dirty="0" smtClean="0"/>
+              <a:rPr lang="en-US" dirty="0"/>
               <a:t>Exercise 5.2</a:t>
             </a:r>
-            <a:endParaRPr lang="en-US" dirty="0"/>
           </a:p>
         </p:txBody>
       </p:sp>
@@ -8989,54 +8870,54 @@
           </a:lstStyle>
           <a:p>
             <a:r>
-              <a:rPr lang="en-US" smtClean="0"/>
+              <a:rPr lang="en-US"/>
               <a:t>Create an Observable that emits the text values "Bravo", "Charlie", "Tango", and "Foxtrot". Emit the sum of their lengths, and then print it.</a:t>
             </a:r>
           </a:p>
           <a:p>
-            <a:endParaRPr lang="en-US" smtClean="0"/>
+            <a:endParaRPr lang="en-US"/>
           </a:p>
           <a:p>
             <a:pPr lvl="1"/>
             <a:r>
-              <a:rPr lang="en-US" smtClean="0"/>
+              <a:rPr lang="en-US"/>
               <a:t>from rx import Observable</a:t>
             </a:r>
           </a:p>
           <a:p>
             <a:pPr lvl="1"/>
-            <a:endParaRPr lang="en-US" smtClean="0"/>
+            <a:endParaRPr lang="en-US"/>
           </a:p>
           <a:p>
             <a:pPr lvl="1"/>
             <a:r>
-              <a:rPr lang="en-US" smtClean="0"/>
+              <a:rPr lang="en-US"/>
               <a:t>Observable.from_(["Bravo", "Charlie", "Tango", "Foxtrot"]) \</a:t>
             </a:r>
           </a:p>
           <a:p>
             <a:pPr lvl="1"/>
             <a:r>
-              <a:rPr lang="en-US" smtClean="0"/>
+              <a:rPr lang="en-US"/>
               <a:t>    .map(lambda s: len(s)) \</a:t>
             </a:r>
           </a:p>
           <a:p>
             <a:pPr lvl="1"/>
             <a:r>
-              <a:rPr lang="en-US" smtClean="0"/>
+              <a:rPr lang="en-US"/>
               <a:t>    .sum() \</a:t>
             </a:r>
           </a:p>
           <a:p>
             <a:pPr lvl="1"/>
             <a:r>
-              <a:rPr lang="en-US" smtClean="0"/>
+              <a:rPr lang="en-US"/>
               <a:t>    .subscribe(lambda i: print(i))</a:t>
             </a:r>
           </a:p>
           <a:p>
-            <a:endParaRPr lang="en-US" smtClean="0"/>
+            <a:endParaRPr lang="en-US"/>
           </a:p>
           <a:p>
             <a:endParaRPr lang="en-US"/>
@@ -9292,10 +9173,9 @@
           <a:lstStyle/>
           <a:p>
             <a:r>
-              <a:rPr lang="en-US" dirty="0" smtClean="0"/>
+              <a:rPr lang="en-US" dirty="0"/>
               <a:t>Exercise 5.3</a:t>
             </a:r>
-            <a:endParaRPr lang="en-US" dirty="0"/>
           </a:p>
         </p:txBody>
       </p:sp>
@@ -9585,82 +9465,82 @@
           </a:lstStyle>
           <a:p>
             <a:r>
-              <a:rPr lang="en-US" dirty="0" smtClean="0"/>
+              <a:rPr lang="en-US" dirty="0"/>
               <a:t>Create an Observable that emits the text values "Bravo", "Charlie", "Tango", and "Foxtrot". Filter only emissions that are of length 5, collect them into a List, and print it in a subscriber.</a:t>
             </a:r>
           </a:p>
           <a:p>
-            <a:endParaRPr lang="en-US" dirty="0" smtClean="0"/>
+            <a:endParaRPr lang="en-US" dirty="0"/>
           </a:p>
           <a:p>
             <a:pPr lvl="1"/>
             <a:r>
-              <a:rPr lang="en-US" dirty="0" smtClean="0"/>
+              <a:rPr lang="en-US" dirty="0"/>
               <a:t>from </a:t>
             </a:r>
             <a:r>
-              <a:rPr lang="en-US" dirty="0" err="1" smtClean="0"/>
+              <a:rPr lang="en-US" dirty="0" err="1"/>
               <a:t>rx</a:t>
             </a:r>
             <a:r>
-              <a:rPr lang="en-US" dirty="0" smtClean="0"/>
+              <a:rPr lang="en-US" dirty="0"/>
               <a:t> import Observable</a:t>
             </a:r>
           </a:p>
           <a:p>
             <a:pPr lvl="1"/>
-            <a:endParaRPr lang="en-US" dirty="0" smtClean="0"/>
+            <a:endParaRPr lang="en-US" dirty="0"/>
           </a:p>
           <a:p>
             <a:pPr lvl="1"/>
             <a:r>
-              <a:rPr lang="en-US" dirty="0" err="1" smtClean="0"/>
+              <a:rPr lang="en-US" dirty="0" err="1"/>
               <a:t>Observable.from</a:t>
             </a:r>
             <a:r>
-              <a:rPr lang="en-US" dirty="0" smtClean="0"/>
+              <a:rPr lang="en-US" dirty="0"/>
               <a:t>_(["Bravo", "Charlie", "Tango", "Foxtrot"]) \</a:t>
             </a:r>
           </a:p>
           <a:p>
             <a:pPr lvl="1"/>
             <a:r>
-              <a:rPr lang="en-US" dirty="0" smtClean="0"/>
+              <a:rPr lang="en-US" dirty="0"/>
               <a:t>    .filter(lambda s: </a:t>
             </a:r>
             <a:r>
-              <a:rPr lang="en-US" dirty="0" err="1" smtClean="0"/>
+              <a:rPr lang="en-US" dirty="0" err="1"/>
               <a:t>len</a:t>
             </a:r>
             <a:r>
-              <a:rPr lang="en-US" dirty="0" smtClean="0"/>
+              <a:rPr lang="en-US" dirty="0"/>
               <a:t>(s)  == 5) \</a:t>
             </a:r>
           </a:p>
           <a:p>
             <a:pPr lvl="2"/>
             <a:r>
-              <a:rPr lang="en-US" dirty="0" smtClean="0"/>
+              <a:rPr lang="en-US" dirty="0"/>
               <a:t>.</a:t>
             </a:r>
             <a:r>
-              <a:rPr lang="en-US" dirty="0" err="1" smtClean="0"/>
+              <a:rPr lang="en-US" dirty="0" err="1"/>
               <a:t>to_list</a:t>
             </a:r>
             <a:r>
-              <a:rPr lang="en-US" dirty="0" smtClean="0"/>
+              <a:rPr lang="en-US" dirty="0"/>
               <a:t>()</a:t>
             </a:r>
           </a:p>
           <a:p>
             <a:pPr lvl="1"/>
             <a:r>
-              <a:rPr lang="en-US" dirty="0" smtClean="0"/>
+              <a:rPr lang="en-US" dirty="0"/>
               <a:t>    .subscribe(lambda l: print(l))</a:t>
             </a:r>
           </a:p>
           <a:p>
-            <a:endParaRPr lang="en-US" dirty="0" smtClean="0"/>
+            <a:endParaRPr lang="en-US" dirty="0"/>
           </a:p>
           <a:p>
             <a:endParaRPr lang="en-US" dirty="0"/>
@@ -9916,10 +9796,9 @@
           <a:lstStyle/>
           <a:p>
             <a:r>
-              <a:rPr lang="en-US" dirty="0" smtClean="0"/>
+              <a:rPr lang="en-US" dirty="0"/>
               <a:t>Section VI	</a:t>
             </a:r>
-            <a:endParaRPr lang="en-US" dirty="0"/>
           </a:p>
         </p:txBody>
       </p:sp>
@@ -9939,10 +9818,9 @@
           <a:lstStyle/>
           <a:p>
             <a:r>
-              <a:rPr lang="en-US" dirty="0" smtClean="0"/>
+              <a:rPr lang="en-US" dirty="0"/>
               <a:t>Combining Observables</a:t>
             </a:r>
-            <a:endParaRPr lang="en-US" dirty="0"/>
           </a:p>
         </p:txBody>
       </p:sp>
@@ -9956,13 +9834,6 @@
   <p:clrMapOvr>
     <a:masterClrMapping/>
   </p:clrMapOvr>
-  <p:timing>
-    <p:tnLst>
-      <p:par>
-        <p:cTn id="1" dur="indefinite" restart="never" nodeType="tmRoot"/>
-      </p:par>
-    </p:tnLst>
-  </p:timing>
 </p:sld>
 </file>
 
@@ -9999,10 +9870,9 @@
           <a:lstStyle/>
           <a:p>
             <a:r>
-              <a:rPr lang="en-US" dirty="0" smtClean="0"/>
+              <a:rPr lang="en-US" dirty="0"/>
               <a:t>Exercise 6.1</a:t>
             </a:r>
-            <a:endParaRPr lang="en-US" dirty="0"/>
           </a:p>
         </p:txBody>
       </p:sp>
@@ -10376,10 +10246,9 @@
           <a:lstStyle/>
           <a:p>
             <a:r>
-              <a:rPr lang="en-US" dirty="0" smtClean="0"/>
+              <a:rPr lang="en-US" dirty="0"/>
               <a:t>Exercise 6.2</a:t>
             </a:r>
-            <a:endParaRPr lang="en-US" dirty="0"/>
           </a:p>
         </p:txBody>
       </p:sp>
@@ -10759,10 +10628,9 @@
           <a:lstStyle/>
           <a:p>
             <a:r>
-              <a:rPr lang="en-US" dirty="0" smtClean="0"/>
+              <a:rPr lang="en-US" dirty="0"/>
               <a:t>Exercise 6.3</a:t>
             </a:r>
-            <a:endParaRPr lang="en-US" dirty="0"/>
           </a:p>
         </p:txBody>
       </p:sp>
@@ -11175,10 +11043,9 @@
           <a:lstStyle/>
           <a:p>
             <a:r>
-              <a:rPr lang="en-US" dirty="0" smtClean="0"/>
+              <a:rPr lang="en-US" dirty="0"/>
               <a:t>Section VII</a:t>
             </a:r>
-            <a:endParaRPr lang="en-US" dirty="0"/>
           </a:p>
         </p:txBody>
       </p:sp>
@@ -11198,10 +11065,9 @@
           <a:lstStyle/>
           <a:p>
             <a:r>
-              <a:rPr lang="en-US" dirty="0" smtClean="0"/>
+              <a:rPr lang="en-US" dirty="0"/>
               <a:t>Reading and ANALYZING DATA</a:t>
             </a:r>
-            <a:endParaRPr lang="en-US" dirty="0"/>
           </a:p>
         </p:txBody>
       </p:sp>
@@ -11215,13 +11081,6 @@
   <p:clrMapOvr>
     <a:masterClrMapping/>
   </p:clrMapOvr>
-  <p:timing>
-    <p:tnLst>
-      <p:par>
-        <p:cTn id="1" dur="indefinite" restart="never" nodeType="tmRoot"/>
-      </p:par>
-    </p:tnLst>
-  </p:timing>
 </p:sld>
 </file>
 
@@ -11258,10 +11117,9 @@
           <a:lstStyle/>
           <a:p>
             <a:r>
-              <a:rPr lang="en-US" dirty="0" smtClean="0"/>
+              <a:rPr lang="en-US" dirty="0"/>
               <a:t>Section VIII </a:t>
             </a:r>
-            <a:endParaRPr lang="en-US" dirty="0"/>
           </a:p>
         </p:txBody>
       </p:sp>
@@ -11281,10 +11139,9 @@
           <a:lstStyle/>
           <a:p>
             <a:r>
-              <a:rPr lang="en-US" dirty="0" smtClean="0"/>
+              <a:rPr lang="en-US" dirty="0"/>
               <a:t>HOT OBSERVABLES AND MULTICASTING</a:t>
             </a:r>
-            <a:endParaRPr lang="en-US" dirty="0"/>
           </a:p>
         </p:txBody>
       </p:sp>
@@ -11298,13 +11155,6 @@
   <p:clrMapOvr>
     <a:masterClrMapping/>
   </p:clrMapOvr>
-  <p:timing>
-    <p:tnLst>
-      <p:par>
-        <p:cTn id="1" dur="indefinite" restart="never" nodeType="tmRoot"/>
-      </p:par>
-    </p:tnLst>
-  </p:timing>
 </p:sld>
 </file>
 
@@ -11341,10 +11191,9 @@
           <a:lstStyle/>
           <a:p>
             <a:r>
-              <a:rPr lang="en-US" dirty="0" smtClean="0"/>
+              <a:rPr lang="en-US" dirty="0"/>
               <a:t>Exercise 7.1</a:t>
             </a:r>
-            <a:endParaRPr lang="en-US" dirty="0"/>
           </a:p>
         </p:txBody>
       </p:sp>
@@ -11854,10 +11703,9 @@
           <a:lstStyle/>
           <a:p>
             <a:r>
-              <a:rPr lang="en-US" dirty="0" smtClean="0"/>
+              <a:rPr lang="en-US" dirty="0"/>
               <a:t>Exercise 7.2</a:t>
             </a:r>
-            <a:endParaRPr lang="en-US" dirty="0"/>
           </a:p>
         </p:txBody>
       </p:sp>
@@ -11882,7 +11730,6 @@
               <a:rPr lang="en-US" b="1" dirty="0"/>
               <a:t>Push five random integers (between 0 and 1000) to four subscribers, one printing them as a list, another the sum, then the min, and the max. </a:t>
             </a:r>
-            <a:endParaRPr lang="en-US" b="1" dirty="0" smtClean="0"/>
           </a:p>
           <a:p>
             <a:endParaRPr lang="en-US" dirty="0"/>
@@ -12509,27 +12356,14 @@
               </a:lnSpc>
             </a:pPr>
             <a:r>
-              <a:rPr lang="en-US" dirty="0" smtClean="0"/>
-              <a:t> Business </a:t>
-            </a:r>
-            <a:r>
-              <a:rPr lang="en-US" dirty="0"/>
-              <a:t>consultant for Southwest Airlines in Schedule </a:t>
-            </a:r>
-            <a:r>
-              <a:rPr lang="en-US" dirty="0" smtClean="0"/>
-              <a:t>Initiatives</a:t>
-            </a:r>
-            <a:endParaRPr lang="en-US" dirty="0"/>
-          </a:p>
-          <a:p>
-            <a:r>
-              <a:rPr lang="en-US" dirty="0" smtClean="0"/>
-              <a:t> OSS </a:t>
-            </a:r>
-            <a:r>
-              <a:rPr lang="en-US" dirty="0"/>
-              <a:t>Maintainer for </a:t>
+              <a:rPr lang="en-US" dirty="0"/>
+              <a:t> Business consultant for Southwest Airlines in Schedule Initiatives</a:t>
+            </a:r>
+          </a:p>
+          <a:p>
+            <a:r>
+              <a:rPr lang="en-US" dirty="0"/>
+              <a:t> OSS Maintainer for </a:t>
             </a:r>
             <a:r>
               <a:rPr lang="en-US" dirty="0" err="1"/>
@@ -12621,13 +12455,6 @@
   <p:clrMapOvr>
     <a:masterClrMapping/>
   </p:clrMapOvr>
-  <p:timing>
-    <p:tnLst>
-      <p:par>
-        <p:cTn id="1" dur="indefinite" restart="never" nodeType="tmRoot"/>
-      </p:par>
-    </p:tnLst>
-  </p:timing>
 </p:sld>
 </file>
 
@@ -12664,10 +12491,9 @@
           <a:lstStyle/>
           <a:p>
             <a:r>
-              <a:rPr lang="en-US" dirty="0" smtClean="0"/>
+              <a:rPr lang="en-US" dirty="0"/>
               <a:t>Section IX</a:t>
             </a:r>
-            <a:endParaRPr lang="en-US" dirty="0"/>
           </a:p>
         </p:txBody>
       </p:sp>
@@ -12687,10 +12513,9 @@
           <a:lstStyle/>
           <a:p>
             <a:r>
-              <a:rPr lang="en-US" dirty="0" smtClean="0"/>
+              <a:rPr lang="en-US" dirty="0"/>
               <a:t>Concurrency</a:t>
             </a:r>
-            <a:endParaRPr lang="en-US" dirty="0"/>
           </a:p>
         </p:txBody>
       </p:sp>
@@ -12704,13 +12529,6 @@
   <p:clrMapOvr>
     <a:masterClrMapping/>
   </p:clrMapOvr>
-  <p:timing>
-    <p:tnLst>
-      <p:par>
-        <p:cTn id="1" dur="indefinite" restart="never" nodeType="tmRoot"/>
-      </p:par>
-    </p:tnLst>
-  </p:timing>
 </p:sld>
 </file>
 
@@ -12747,10 +12565,9 @@
           <a:lstStyle/>
           <a:p>
             <a:r>
-              <a:rPr lang="en-US" dirty="0" smtClean="0"/>
+              <a:rPr lang="en-US" dirty="0"/>
               <a:t>Understanding Concurrency</a:t>
             </a:r>
-            <a:endParaRPr lang="en-US" dirty="0"/>
           </a:p>
         </p:txBody>
       </p:sp>
@@ -13219,10 +13036,9 @@
           <a:lstStyle/>
           <a:p>
             <a:r>
-              <a:rPr lang="en-US" dirty="0" smtClean="0"/>
+              <a:rPr lang="en-US" dirty="0"/>
               <a:t>Understanding Concurrency</a:t>
             </a:r>
-            <a:endParaRPr lang="en-US" dirty="0"/>
           </a:p>
         </p:txBody>
       </p:sp>
@@ -13255,24 +13071,12 @@
               <a:t>For computation-intense tasks, the </a:t>
             </a:r>
             <a:r>
-              <a:rPr lang="en-US" i="1" dirty="0" smtClean="0"/>
-              <a:t>number </a:t>
-            </a:r>
-            <a:r>
               <a:rPr lang="en-US" i="1" dirty="0"/>
-              <a:t>of </a:t>
-            </a:r>
-            <a:r>
-              <a:rPr lang="en-US" i="1" dirty="0" smtClean="0"/>
-              <a:t>CPU’s </a:t>
-            </a:r>
-            <a:r>
-              <a:rPr lang="en-US" dirty="0" smtClean="0"/>
-              <a:t>is </a:t>
-            </a:r>
-            <a:r>
-              <a:rPr lang="en-US" dirty="0"/>
-              <a:t>roughly the optimal number of threads</a:t>
+              <a:t>number of CPU’s </a:t>
+            </a:r>
+            <a:r>
+              <a:rPr lang="en-US" dirty="0"/>
+              <a:t>is roughly the optimal number of threads</a:t>
             </a:r>
           </a:p>
           <a:p>
@@ -13287,15 +13091,7 @@
             </a:r>
             <a:r>
               <a:rPr lang="en-US" dirty="0"/>
-              <a:t> use </a:t>
-            </a:r>
-            <a:r>
-              <a:rPr lang="en-US" dirty="0" smtClean="0"/>
-              <a:t>4 </a:t>
-            </a:r>
-            <a:r>
-              <a:rPr lang="en-US" dirty="0"/>
-              <a:t>threads optimally</a:t>
+              <a:t> use 4 threads optimally</a:t>
             </a:r>
           </a:p>
           <a:p>
@@ -13310,13 +13106,8 @@
             </a:r>
             <a:r>
               <a:rPr lang="en-US" dirty="0"/>
-              <a:t>) you can use more </a:t>
-            </a:r>
-            <a:r>
-              <a:rPr lang="en-US" dirty="0" smtClean="0"/>
-              <a:t>threads</a:t>
-            </a:r>
-            <a:endParaRPr lang="en-US" dirty="0"/>
+              <a:t>) you can use more threads</a:t>
+            </a:r>
           </a:p>
           <a:p>
             <a:endParaRPr lang="en-US" dirty="0"/>
@@ -13332,18 +13123,17 @@
           </a:p>
           <a:p>
             <a:r>
-              <a:rPr lang="en-US" dirty="0" smtClean="0"/>
+              <a:rPr lang="en-US" dirty="0"/>
               <a:t>Python GIL can undermine concurrency performance, but computation libraries like </a:t>
             </a:r>
             <a:r>
-              <a:rPr lang="en-US" dirty="0" err="1" smtClean="0"/>
+              <a:rPr lang="en-US" dirty="0" err="1"/>
               <a:t>NumPy</a:t>
             </a:r>
             <a:r>
-              <a:rPr lang="en-US" dirty="0" smtClean="0"/>
+              <a:rPr lang="en-US" dirty="0"/>
               <a:t> should mitigate this issue for computation-intense procedures. </a:t>
             </a:r>
-            <a:endParaRPr lang="en-US" dirty="0"/>
           </a:p>
           <a:p>
             <a:endParaRPr lang="en-US" dirty="0"/>
@@ -13669,10 +13459,9 @@
           <a:lstStyle/>
           <a:p>
             <a:r>
-              <a:rPr lang="en-US" dirty="0" smtClean="0"/>
+              <a:rPr lang="en-US" dirty="0"/>
               <a:t>Choosing a Scheduler</a:t>
             </a:r>
-            <a:endParaRPr lang="en-US" dirty="0"/>
           </a:p>
         </p:txBody>
       </p:sp>
@@ -14186,10 +13975,9 @@
           <a:lstStyle/>
           <a:p>
             <a:r>
-              <a:rPr lang="en-US" dirty="0" smtClean="0"/>
+              <a:rPr lang="en-US" dirty="0"/>
               <a:t>Section X</a:t>
             </a:r>
-            <a:endParaRPr lang="en-US" dirty="0"/>
           </a:p>
         </p:txBody>
       </p:sp>
@@ -14209,11 +13997,11 @@
           <a:lstStyle/>
           <a:p>
             <a:r>
-              <a:rPr lang="en-US" dirty="0" smtClean="0"/>
+              <a:rPr lang="en-US" dirty="0"/>
               <a:t>Going </a:t>
             </a:r>
             <a:r>
-              <a:rPr lang="en-US" dirty="0" err="1" smtClean="0"/>
+              <a:rPr lang="en-US" dirty="0" err="1"/>
               <a:t>FOrward</a:t>
             </a:r>
             <a:endParaRPr lang="en-US" dirty="0"/>
@@ -14230,13 +14018,6 @@
   <p:clrMapOvr>
     <a:masterClrMapping/>
   </p:clrMapOvr>
-  <p:timing>
-    <p:tnLst>
-      <p:par>
-        <p:cTn id="1" dur="indefinite" restart="never" nodeType="tmRoot"/>
-      </p:par>
-    </p:tnLst>
-  </p:timing>
 </p:sld>
 </file>
 
@@ -14273,11 +14054,11 @@
           <a:lstStyle/>
           <a:p>
             <a:r>
-              <a:rPr lang="en-US" dirty="0" smtClean="0"/>
+              <a:rPr lang="en-US" dirty="0"/>
               <a:t>Mastering </a:t>
             </a:r>
             <a:r>
-              <a:rPr lang="en-US" dirty="0" err="1" smtClean="0"/>
+              <a:rPr lang="en-US" dirty="0" err="1"/>
               <a:t>ReactiveX</a:t>
             </a:r>
             <a:endParaRPr lang="en-US" dirty="0"/>
@@ -14383,13 +14164,8 @@
             </a:r>
             <a:r>
               <a:rPr lang="en-US" dirty="0"/>
-              <a:t> is not a framework or library, but a </a:t>
-            </a:r>
-            <a:r>
-              <a:rPr lang="en-US" dirty="0" smtClean="0"/>
-              <a:t>mindset.</a:t>
-            </a:r>
-            <a:endParaRPr lang="en-US" dirty="0"/>
+              <a:t> is not a framework or library, but a mindset.</a:t>
+            </a:r>
           </a:p>
           <a:p>
             <a:endParaRPr lang="en-US" dirty="0"/>
@@ -14733,10 +14509,9 @@
           <a:lstStyle/>
           <a:p>
             <a:r>
-              <a:rPr lang="en-US" dirty="0" smtClean="0"/>
+              <a:rPr lang="en-US" dirty="0"/>
               <a:t>Resources for Advancement</a:t>
             </a:r>
-            <a:endParaRPr lang="en-US" dirty="0"/>
           </a:p>
         </p:txBody>
       </p:sp>
@@ -14868,13 +14643,6 @@
   <p:clrMapOvr>
     <a:masterClrMapping/>
   </p:clrMapOvr>
-  <p:timing>
-    <p:tnLst>
-      <p:par>
-        <p:cTn id="1" dur="indefinite" restart="never" nodeType="tmRoot"/>
-      </p:par>
-    </p:tnLst>
-  </p:timing>
 </p:sld>
 </file>
 
@@ -14911,10 +14679,9 @@
           <a:lstStyle/>
           <a:p>
             <a:r>
-              <a:rPr lang="en-US" dirty="0" smtClean="0"/>
+              <a:rPr lang="en-US" dirty="0"/>
               <a:t>What You Will Need</a:t>
             </a:r>
-            <a:endParaRPr lang="en-US" dirty="0"/>
           </a:p>
         </p:txBody>
       </p:sp>
@@ -15018,7 +14785,7 @@
               <a:t> have all been tested with </a:t>
             </a:r>
             <a:r>
-              <a:rPr lang="en-US" b="1" dirty="0" err="1" smtClean="0"/>
+              <a:rPr lang="en-US" b="1" dirty="0" err="1"/>
               <a:t>rx</a:t>
             </a:r>
             <a:endParaRPr lang="en-US" b="1" dirty="0"/>
@@ -15035,13 +14802,6 @@
   <p:clrMapOvr>
     <a:masterClrMapping/>
   </p:clrMapOvr>
-  <p:timing>
-    <p:tnLst>
-      <p:par>
-        <p:cTn id="1" dur="indefinite" restart="never" nodeType="tmRoot"/>
-      </p:par>
-    </p:tnLst>
-  </p:timing>
 </p:sld>
 </file>
 
@@ -15078,10 +14838,9 @@
           <a:lstStyle/>
           <a:p>
             <a:r>
-              <a:rPr lang="en-US" dirty="0" smtClean="0"/>
+              <a:rPr lang="en-US" dirty="0"/>
               <a:t>Section II</a:t>
             </a:r>
-            <a:endParaRPr lang="en-US" dirty="0"/>
           </a:p>
         </p:txBody>
       </p:sp>
@@ -15101,10 +14860,9 @@
           <a:lstStyle/>
           <a:p>
             <a:r>
-              <a:rPr lang="en-US" dirty="0" smtClean="0"/>
+              <a:rPr lang="en-US" dirty="0"/>
               <a:t>Why Reactive Programming?</a:t>
             </a:r>
-            <a:endParaRPr lang="en-US" dirty="0"/>
           </a:p>
         </p:txBody>
       </p:sp>
@@ -15118,13 +14876,6 @@
   <p:clrMapOvr>
     <a:masterClrMapping/>
   </p:clrMapOvr>
-  <p:timing>
-    <p:tnLst>
-      <p:par>
-        <p:cTn id="1" dur="indefinite" restart="never" nodeType="tmRoot"/>
-      </p:par>
-    </p:tnLst>
-  </p:timing>
 </p:sld>
 </file>
 
@@ -15161,10 +14912,9 @@
           <a:lstStyle/>
           <a:p>
             <a:r>
-              <a:rPr lang="en-US" dirty="0" smtClean="0"/>
+              <a:rPr lang="en-US" dirty="0"/>
               <a:t>Why Reactive Programming?</a:t>
             </a:r>
-            <a:endParaRPr lang="en-US" dirty="0"/>
           </a:p>
         </p:txBody>
       </p:sp>
@@ -15238,13 +14988,8 @@
             </a:pPr>
             <a:r>
               <a:rPr lang="en-US" dirty="0"/>
-              <a:t> Analysis code can quickly be turned into production code, and evolve as the business </a:t>
-            </a:r>
-            <a:r>
-              <a:rPr lang="en-US" dirty="0" smtClean="0"/>
-              <a:t>changes</a:t>
-            </a:r>
-            <a:endParaRPr lang="en-US" dirty="0"/>
+              <a:t> Analysis code can quickly be turned into production code, and evolve as the business changes</a:t>
+            </a:r>
           </a:p>
         </p:txBody>
       </p:sp>
@@ -15536,10 +15281,9 @@
           <a:lstStyle/>
           <a:p>
             <a:r>
-              <a:rPr lang="en-US" dirty="0" smtClean="0"/>
+              <a:rPr lang="en-US" dirty="0"/>
               <a:t>What You Will Achieve</a:t>
             </a:r>
-            <a:endParaRPr lang="en-US" dirty="0"/>
           </a:p>
         </p:txBody>
       </p:sp>
@@ -15569,13 +15313,8 @@
             </a:r>
             <a:r>
               <a:rPr lang="en-US" dirty="0"/>
-              <a:t> chains of </a:t>
-            </a:r>
-            <a:r>
-              <a:rPr lang="en-US" dirty="0" smtClean="0"/>
-              <a:t>operations.</a:t>
-            </a:r>
-            <a:endParaRPr lang="en-US" dirty="0"/>
+              <a:t> chains of operations.</a:t>
+            </a:r>
           </a:p>
           <a:p>
             <a:pPr lvl="0"/>
@@ -15585,13 +15324,8 @@
             <a:pPr lvl="0"/>
             <a:r>
               <a:rPr lang="en-US" dirty="0"/>
-              <a:t>Compose real-time events and data together into single </a:t>
-            </a:r>
-            <a:r>
-              <a:rPr lang="en-US" dirty="0" smtClean="0"/>
-              <a:t>streams.</a:t>
-            </a:r>
-            <a:endParaRPr lang="en-US" dirty="0"/>
+              <a:t>Compose real-time events and data together into single streams.</a:t>
+            </a:r>
           </a:p>
           <a:p>
             <a:pPr lvl="0"/>
@@ -15609,13 +15343,8 @@
             </a:r>
             <a:r>
               <a:rPr lang="en-US" dirty="0"/>
-              <a:t> to express business </a:t>
-            </a:r>
-            <a:r>
-              <a:rPr lang="en-US" dirty="0" smtClean="0"/>
-              <a:t>logic.</a:t>
-            </a:r>
-            <a:endParaRPr lang="en-US" dirty="0"/>
+              <a:t> to express business logic.</a:t>
+            </a:r>
           </a:p>
           <a:p>
             <a:pPr lvl="0"/>
@@ -15625,13 +15354,8 @@
             <a:pPr lvl="0"/>
             <a:r>
               <a:rPr lang="en-US" dirty="0"/>
-              <a:t>Leverage concurrency and effectively recover and handle </a:t>
-            </a:r>
-            <a:r>
-              <a:rPr lang="en-US" dirty="0" smtClean="0"/>
-              <a:t>errors.</a:t>
-            </a:r>
-            <a:endParaRPr lang="en-US" dirty="0"/>
+              <a:t>Leverage concurrency and effectively recover and handle errors.</a:t>
+            </a:r>
           </a:p>
           <a:p>
             <a:pPr marL="0" lvl="0" indent="0">
@@ -15916,10 +15640,9 @@
           <a:lstStyle/>
           <a:p>
             <a:r>
-              <a:rPr lang="en-US" dirty="0" smtClean="0"/>
+              <a:rPr lang="en-US" dirty="0"/>
               <a:t>Section III</a:t>
             </a:r>
-            <a:endParaRPr lang="en-US" dirty="0"/>
           </a:p>
         </p:txBody>
       </p:sp>
@@ -15939,10 +15662,9 @@
           <a:lstStyle/>
           <a:p>
             <a:r>
-              <a:rPr lang="en-US" dirty="0" smtClean="0"/>
+              <a:rPr lang="en-US" dirty="0"/>
               <a:t>Thinking REACTIVELY</a:t>
             </a:r>
-            <a:endParaRPr lang="en-US" dirty="0"/>
           </a:p>
         </p:txBody>
       </p:sp>
@@ -15956,13 +15678,6 @@
   <p:clrMapOvr>
     <a:masterClrMapping/>
   </p:clrMapOvr>
-  <p:timing>
-    <p:tnLst>
-      <p:par>
-        <p:cTn id="1" dur="indefinite" restart="never" nodeType="tmRoot"/>
-      </p:par>
-    </p:tnLst>
-  </p:timing>
 </p:sld>
 </file>
 
@@ -15999,10 +15714,9 @@
           <a:lstStyle/>
           <a:p>
             <a:r>
-              <a:rPr lang="en-US" dirty="0" smtClean="0"/>
+              <a:rPr lang="en-US" dirty="0"/>
               <a:t>Thinking Reactively</a:t>
             </a:r>
-            <a:endParaRPr lang="en-US" dirty="0"/>
           </a:p>
         </p:txBody>
       </p:sp>
@@ -16026,25 +15740,15 @@
             <a:pPr lvl="0"/>
             <a:r>
               <a:rPr lang="en-US" dirty="0"/>
-              <a:t>Look at our world and notice everything is in motion, nothing is </a:t>
-            </a:r>
-            <a:r>
-              <a:rPr lang="en-US" dirty="0" smtClean="0"/>
-              <a:t>static.</a:t>
-            </a:r>
-            <a:endParaRPr lang="en-US" dirty="0"/>
+              <a:t>Look at our world and notice everything is in motion, nothing is static.</a:t>
+            </a:r>
           </a:p>
           <a:p>
             <a:pPr lvl="1"/>
             <a:r>
               <a:rPr lang="en-US" dirty="0"/>
-              <a:t>Vehicles, traffic, people, conversations, weather…  everything is </a:t>
-            </a:r>
-            <a:r>
-              <a:rPr lang="en-US" dirty="0" smtClean="0"/>
-              <a:t>moving.</a:t>
-            </a:r>
-            <a:endParaRPr lang="en-US" dirty="0"/>
+              <a:t>Vehicles, traffic, people, conversations, weather…  everything is moving.</a:t>
+            </a:r>
           </a:p>
           <a:p>
             <a:pPr lvl="1"/>
@@ -16057,22 +15761,16 @@
               <a:t>the same </a:t>
             </a:r>
             <a:r>
-              <a:rPr lang="en-US" dirty="0" smtClean="0"/>
+              <a:rPr lang="en-US" dirty="0"/>
               <a:t>time.</a:t>
             </a:r>
-            <a:endParaRPr lang="en-US" dirty="0"/>
           </a:p>
           <a:p>
             <a:pPr lvl="1"/>
             <a:r>
               <a:rPr lang="en-US" dirty="0"/>
-              <a:t>They may be related or unrelated to each other, and may or may not converge at some </a:t>
-            </a:r>
-            <a:r>
-              <a:rPr lang="en-US" dirty="0" smtClean="0"/>
-              <a:t>point.</a:t>
-            </a:r>
-            <a:endParaRPr lang="en-US" dirty="0"/>
+              <a:t>They may be related or unrelated to each other, and may or may not converge at some point.</a:t>
+            </a:r>
           </a:p>
           <a:p>
             <a:pPr lvl="1"/>
@@ -16082,37 +15780,22 @@
             <a:pPr lvl="0"/>
             <a:r>
               <a:rPr lang="en-US" dirty="0"/>
-              <a:t>Items that seem static are arguably put in motion when </a:t>
-            </a:r>
-            <a:r>
-              <a:rPr lang="en-US" dirty="0" smtClean="0"/>
-              <a:t>consumed.</a:t>
-            </a:r>
-            <a:endParaRPr lang="en-US" dirty="0"/>
+              <a:t>Items that seem static are arguably put in motion when consumed.</a:t>
+            </a:r>
           </a:p>
           <a:p>
             <a:pPr lvl="1"/>
             <a:r>
               <a:rPr lang="en-US" dirty="0"/>
-              <a:t>A book is a static piece of text, but when you read it the words are put in motion by being consumed </a:t>
-            </a:r>
-            <a:r>
-              <a:rPr lang="en-US" dirty="0" smtClean="0"/>
-              <a:t>one-at-a-time.</a:t>
-            </a:r>
-            <a:endParaRPr lang="en-US" dirty="0"/>
+              <a:t>A book is a static piece of text, but when you read it the words are put in motion by being consumed one-at-a-time.</a:t>
+            </a:r>
           </a:p>
           <a:p>
             <a:pPr lvl="1"/>
             <a:r>
               <a:rPr lang="en-US" dirty="0"/>
-              <a:t>A pallet of goods is static, but is put in motion when manufactured, transported, and </a:t>
-            </a:r>
-            <a:r>
-              <a:rPr lang="en-US" dirty="0" smtClean="0"/>
-              <a:t>disassembled.</a:t>
-            </a:r>
-            <a:endParaRPr lang="en-US" dirty="0"/>
+              <a:t>A pallet of goods is static, but is put in motion when manufactured, transported, and disassembled.</a:t>
+            </a:r>
           </a:p>
           <a:p>
             <a:pPr lvl="1"/>
@@ -16129,25 +15812,15 @@
             <a:pPr lvl="1"/>
             <a:r>
               <a:rPr lang="en-US" dirty="0"/>
-              <a:t>Traditional code is often sequential and focuses on one task at a </a:t>
-            </a:r>
-            <a:r>
-              <a:rPr lang="en-US" dirty="0" smtClean="0"/>
-              <a:t>time.</a:t>
-            </a:r>
-            <a:endParaRPr lang="en-US" dirty="0"/>
+              <a:t>Traditional code is often sequential and focuses on one task at a time.</a:t>
+            </a:r>
           </a:p>
           <a:p>
             <a:pPr lvl="1"/>
             <a:r>
               <a:rPr lang="en-US" dirty="0"/>
-              <a:t>We also coordinate and micromanage data states </a:t>
-            </a:r>
-            <a:r>
-              <a:rPr lang="en-US" dirty="0" smtClean="0"/>
-              <a:t>imperatively.</a:t>
-            </a:r>
-            <a:endParaRPr lang="en-US" dirty="0"/>
+              <a:t>We also coordinate and micromanage data states imperatively.</a:t>
+            </a:r>
           </a:p>
           <a:p>
             <a:pPr lvl="0"/>
@@ -16842,7 +16515,7 @@
   <a:extraClrSchemeLst/>
   <a:extLst>
     <a:ext uri="{05A4C25C-085E-4340-85A3-A5531E510DB2}">
-      <thm15:themeFamily xmlns="" xmlns:thm15="http://schemas.microsoft.com/office/thememl/2012/main" name="Retrospect" id="{5F128B03-DCCA-4EEB-AB3B-CF2899314A46}" vid="{3F1AAB62-24C6-49D2-8E01-B56FAC9A3DCD}"/>
+      <thm15:themeFamily xmlns:thm15="http://schemas.microsoft.com/office/thememl/2012/main" name="Retrospect" id="{5F128B03-DCCA-4EEB-AB3B-CF2899314A46}" vid="{3F1AAB62-24C6-49D2-8E01-B56FAC9A3DCD}"/>
     </a:ext>
   </a:extLst>
 </a:theme>
@@ -17137,7 +16810,7 @@
   <a:extraClrSchemeLst/>
   <a:extLst>
     <a:ext uri="{05A4C25C-085E-4340-85A3-A5531E510DB2}">
-      <thm15:themeFamily xmlns="" xmlns:thm15="http://schemas.microsoft.com/office/thememl/2012/main" name="Office Theme" id="{62F939B6-93AF-4DB8-9C6B-D6C7DFDC589F}" vid="{4A3C46E8-61CC-4603-A589-7422A47A8E4A}"/>
+      <thm15:themeFamily xmlns:thm15="http://schemas.microsoft.com/office/thememl/2012/main" name="Office Theme" id="{62F939B6-93AF-4DB8-9C6B-D6C7DFDC589F}" vid="{4A3C46E8-61CC-4603-A589-7422A47A8E4A}"/>
     </a:ext>
   </a:extLst>
 </a:theme>

--- a/resources/reactive_python_slides_v2.pptx
+++ b/resources/reactive_python_slides_v2.pptx
@@ -247,7 +247,7 @@
           <a:p>
             <a:fld id="{D68E09DD-A271-4E46-9B09-7316EE422583}" type="datetimeFigureOut">
               <a:rPr lang="en-US"/>
-              <a:t>8/27/2017</a:t>
+              <a:t>10/19/2017</a:t>
             </a:fld>
             <a:endParaRPr lang="en-US"/>
           </a:p>
@@ -908,7 +908,7 @@
           <a:p>
             <a:fld id="{4BDF68E2-58F2-4D09-BE8B-E3BD06533059}" type="datetimeFigureOut">
               <a:rPr lang="en-US" dirty="0"/>
-              <a:t>8/27/2017</a:t>
+              <a:t>10/19/2017</a:t>
             </a:fld>
             <a:endParaRPr lang="en-US" dirty="0"/>
           </a:p>
@@ -1111,7 +1111,7 @@
           <a:p>
             <a:fld id="{2E2D6473-DF6D-4702-B328-E0DD40540A4E}" type="datetimeFigureOut">
               <a:rPr lang="en-US" dirty="0"/>
-              <a:t>8/27/2017</a:t>
+              <a:t>10/19/2017</a:t>
             </a:fld>
             <a:endParaRPr lang="en-US" dirty="0"/>
           </a:p>
@@ -1362,7 +1362,7 @@
           <a:p>
             <a:fld id="{E26F7E3A-B166-407D-9866-32884E7D5B37}" type="datetimeFigureOut">
               <a:rPr lang="en-US" dirty="0"/>
-              <a:t>8/27/2017</a:t>
+              <a:t>10/19/2017</a:t>
             </a:fld>
             <a:endParaRPr lang="en-US" dirty="0"/>
           </a:p>
@@ -1531,7 +1531,7 @@
           <a:p>
             <a:fld id="{528FC5F6-F338-4AE4-BB23-26385BCFC423}" type="datetimeFigureOut">
               <a:rPr lang="en-US" dirty="0"/>
-              <a:t>8/27/2017</a:t>
+              <a:t>10/19/2017</a:t>
             </a:fld>
             <a:endParaRPr lang="en-US" dirty="0"/>
           </a:p>
@@ -1869,7 +1869,7 @@
           <a:p>
             <a:fld id="{20EBB0C4-6273-4C6E-B9BD-2EDC30F1CD52}" type="datetimeFigureOut">
               <a:rPr lang="en-US" dirty="0"/>
-              <a:t>8/27/2017</a:t>
+              <a:t>10/19/2017</a:t>
             </a:fld>
             <a:endParaRPr lang="en-US" dirty="0"/>
           </a:p>
@@ -2139,7 +2139,7 @@
           <a:p>
             <a:fld id="{19AB4D41-86C1-4908-B66A-0B50CEB3BF29}" type="datetimeFigureOut">
               <a:rPr lang="en-US" dirty="0"/>
-              <a:t>8/27/2017</a:t>
+              <a:t>10/19/2017</a:t>
             </a:fld>
             <a:endParaRPr lang="en-US" dirty="0"/>
           </a:p>
@@ -2513,7 +2513,7 @@
           <a:p>
             <a:fld id="{E6426E2C-56C1-4E0D-A793-0088A7FDD37E}" type="datetimeFigureOut">
               <a:rPr lang="en-US" dirty="0"/>
-              <a:t>8/27/2017</a:t>
+              <a:t>10/19/2017</a:t>
             </a:fld>
             <a:endParaRPr lang="en-US" dirty="0"/>
           </a:p>
@@ -2626,7 +2626,7 @@
           <a:p>
             <a:fld id="{C8C39B41-D8B5-4052-B551-9B5525EAA8B6}" type="datetimeFigureOut">
               <a:rPr lang="en-US" dirty="0"/>
-              <a:t>8/27/2017</a:t>
+              <a:t>10/19/2017</a:t>
             </a:fld>
             <a:endParaRPr lang="en-US" dirty="0"/>
           </a:p>
@@ -2792,7 +2792,7 @@
           <a:p>
             <a:fld id="{4D94136C-8742-45B2-AF27-D93DF72833A9}" type="datetimeFigureOut">
               <a:rPr lang="en-US" dirty="0"/>
-              <a:t>8/27/2017</a:t>
+              <a:t>10/19/2017</a:t>
             </a:fld>
             <a:endParaRPr lang="en-US" dirty="0"/>
           </a:p>
@@ -3142,7 +3142,7 @@
           <a:p>
             <a:fld id="{32ABBEA6-7C60-4B02-AE87-00D78D8422AF}" type="datetimeFigureOut">
               <a:rPr lang="en-US" dirty="0"/>
-              <a:t>8/27/2017</a:t>
+              <a:t>10/19/2017</a:t>
             </a:fld>
             <a:endParaRPr lang="en-US" dirty="0"/>
           </a:p>
@@ -3517,7 +3517,7 @@
           <a:p>
             <a:fld id="{C9CAD897-D46E-4AD2-BD9B-49DD3E640873}" type="datetimeFigureOut">
               <a:rPr lang="en-US" dirty="0"/>
-              <a:t>8/27/2017</a:t>
+              <a:t>10/19/2017</a:t>
             </a:fld>
             <a:endParaRPr lang="en-US" dirty="0"/>
           </a:p>
@@ -3799,7 +3799,7 @@
           <a:p>
             <a:fld id="{98624D31-43A5-475A-80CF-332C9F6DCF35}" type="datetimeFigureOut">
               <a:rPr lang="en-US" dirty="0"/>
-              <a:t>8/27/2017</a:t>
+              <a:t>10/19/2017</a:t>
             </a:fld>
             <a:endParaRPr lang="en-US" dirty="0"/>
           </a:p>
@@ -12445,6 +12445,147 @@
           </a:p>
         </p:txBody>
       </p:sp>
+      <p:sp>
+        <p:nvSpPr>
+          <p:cNvPr id="4" name="TextBox 3">
+            <a:extLst>
+              <a:ext uri="{FF2B5EF4-FFF2-40B4-BE49-F238E27FC236}">
+                <a16:creationId xmlns:a16="http://schemas.microsoft.com/office/drawing/2014/main" id="{E41AFB01-20E3-4C03-AACC-26C0D35C2433}"/>
+              </a:ext>
+            </a:extLst>
+          </p:cNvPr>
+          <p:cNvSpPr txBox="1"/>
+          <p:nvPr/>
+        </p:nvSpPr>
+        <p:spPr>
+          <a:xfrm>
+            <a:off x="8754841" y="5092061"/>
+            <a:ext cx="2368061" cy="369332"/>
+          </a:xfrm>
+          <a:prstGeom prst="rect">
+            <a:avLst/>
+          </a:prstGeom>
+          <a:noFill/>
+        </p:spPr>
+        <p:txBody>
+          <a:bodyPr wrap="square" rtlCol="0">
+            <a:spAutoFit/>
+          </a:bodyPr>
+          <a:lstStyle/>
+          <a:p>
+            <a:r>
+              <a:rPr lang="en-US" dirty="0"/>
+              <a:t>thomasnield9727	</a:t>
+            </a:r>
+          </a:p>
+        </p:txBody>
+      </p:sp>
+      <p:pic>
+        <p:nvPicPr>
+          <p:cNvPr id="5" name="Picture 4">
+            <a:extLst>
+              <a:ext uri="{FF2B5EF4-FFF2-40B4-BE49-F238E27FC236}">
+                <a16:creationId xmlns:a16="http://schemas.microsoft.com/office/drawing/2014/main" id="{6E2A5F34-334D-4E4A-9BC7-EEB419CA1B92}"/>
+              </a:ext>
+            </a:extLst>
+          </p:cNvPr>
+          <p:cNvPicPr>
+            <a:picLocks noChangeAspect="1"/>
+          </p:cNvPicPr>
+          <p:nvPr/>
+        </p:nvPicPr>
+        <p:blipFill>
+          <a:blip r:embed="rId3">
+            <a:extLst>
+              <a:ext uri="{28A0092B-C50C-407E-A947-70E740481C1C}">
+                <a14:useLocalDpi xmlns:a14="http://schemas.microsoft.com/office/drawing/2010/main" val="0"/>
+              </a:ext>
+            </a:extLst>
+          </a:blip>
+          <a:stretch>
+            <a:fillRect/>
+          </a:stretch>
+        </p:blipFill>
+        <p:spPr>
+          <a:xfrm>
+            <a:off x="8357023" y="5092061"/>
+            <a:ext cx="397818" cy="397818"/>
+          </a:xfrm>
+          <a:prstGeom prst="rect">
+            <a:avLst/>
+          </a:prstGeom>
+        </p:spPr>
+      </p:pic>
+      <p:sp>
+        <p:nvSpPr>
+          <p:cNvPr id="6" name="Rectangle 5">
+            <a:extLst>
+              <a:ext uri="{FF2B5EF4-FFF2-40B4-BE49-F238E27FC236}">
+                <a16:creationId xmlns:a16="http://schemas.microsoft.com/office/drawing/2014/main" id="{13E4846F-6BEA-4A66-815D-232B560B11AD}"/>
+              </a:ext>
+            </a:extLst>
+          </p:cNvPr>
+          <p:cNvSpPr/>
+          <p:nvPr/>
+        </p:nvSpPr>
+        <p:spPr>
+          <a:xfrm>
+            <a:off x="8754841" y="5582774"/>
+            <a:ext cx="3437159" cy="369332"/>
+          </a:xfrm>
+          <a:prstGeom prst="rect">
+            <a:avLst/>
+          </a:prstGeom>
+        </p:spPr>
+        <p:txBody>
+          <a:bodyPr wrap="none">
+            <a:spAutoFit/>
+          </a:bodyPr>
+          <a:lstStyle/>
+          <a:p>
+            <a:r>
+              <a:rPr lang="en-US" dirty="0"/>
+              <a:t>https://github.com/thomasnield</a:t>
+            </a:r>
+          </a:p>
+        </p:txBody>
+      </p:sp>
+      <p:pic>
+        <p:nvPicPr>
+          <p:cNvPr id="7" name="Picture 6">
+            <a:extLst>
+              <a:ext uri="{FF2B5EF4-FFF2-40B4-BE49-F238E27FC236}">
+                <a16:creationId xmlns:a16="http://schemas.microsoft.com/office/drawing/2014/main" id="{F0BD378F-67B6-4999-9D95-9E3975DE3ECD}"/>
+              </a:ext>
+            </a:extLst>
+          </p:cNvPr>
+          <p:cNvPicPr>
+            <a:picLocks noChangeAspect="1"/>
+          </p:cNvPicPr>
+          <p:nvPr/>
+        </p:nvPicPr>
+        <p:blipFill>
+          <a:blip r:embed="rId4">
+            <a:extLst>
+              <a:ext uri="{28A0092B-C50C-407E-A947-70E740481C1C}">
+                <a14:useLocalDpi xmlns:a14="http://schemas.microsoft.com/office/drawing/2010/main" val="0"/>
+              </a:ext>
+            </a:extLst>
+          </a:blip>
+          <a:stretch>
+            <a:fillRect/>
+          </a:stretch>
+        </p:blipFill>
+        <p:spPr>
+          <a:xfrm>
+            <a:off x="8357023" y="5579650"/>
+            <a:ext cx="397818" cy="397818"/>
+          </a:xfrm>
+          <a:prstGeom prst="rect">
+            <a:avLst/>
+          </a:prstGeom>
+        </p:spPr>
+      </p:pic>
     </p:spTree>
     <p:extLst>
       <p:ext uri="{BB962C8B-B14F-4D97-AF65-F5344CB8AC3E}">

--- a/resources/reactive_python_slides_v2.pptx
+++ b/resources/reactive_python_slides_v2.pptx
@@ -5,7 +5,7 @@
     <p:sldMasterId id="2147483648" r:id="rId1"/>
   </p:sldMasterIdLst>
   <p:notesMasterIdLst>
-    <p:notesMasterId r:id="rId38"/>
+    <p:notesMasterId r:id="rId39"/>
   </p:notesMasterIdLst>
   <p:sldIdLst>
     <p:sldId id="256" r:id="rId2"/>
@@ -43,7 +43,8 @@
     <p:sldId id="291" r:id="rId34"/>
     <p:sldId id="292" r:id="rId35"/>
     <p:sldId id="293" r:id="rId36"/>
-    <p:sldId id="294" r:id="rId37"/>
+    <p:sldId id="295" r:id="rId37"/>
+    <p:sldId id="294" r:id="rId38"/>
   </p:sldIdLst>
   <p:sldSz cx="12192000" cy="6858000"/>
   <p:notesSz cx="6858000" cy="9144000"/>
@@ -247,7 +248,7 @@
           <a:p>
             <a:fld id="{D68E09DD-A271-4E46-9B09-7316EE422583}" type="datetimeFigureOut">
               <a:rPr lang="en-US"/>
-              <a:t>10/19/2017</a:t>
+              <a:t>10/30/2017</a:t>
             </a:fld>
             <a:endParaRPr lang="en-US"/>
           </a:p>
@@ -908,7 +909,7 @@
           <a:p>
             <a:fld id="{4BDF68E2-58F2-4D09-BE8B-E3BD06533059}" type="datetimeFigureOut">
               <a:rPr lang="en-US" dirty="0"/>
-              <a:t>10/19/2017</a:t>
+              <a:t>10/30/2017</a:t>
             </a:fld>
             <a:endParaRPr lang="en-US" dirty="0"/>
           </a:p>
@@ -1111,7 +1112,7 @@
           <a:p>
             <a:fld id="{2E2D6473-DF6D-4702-B328-E0DD40540A4E}" type="datetimeFigureOut">
               <a:rPr lang="en-US" dirty="0"/>
-              <a:t>10/19/2017</a:t>
+              <a:t>10/30/2017</a:t>
             </a:fld>
             <a:endParaRPr lang="en-US" dirty="0"/>
           </a:p>
@@ -1362,7 +1363,7 @@
           <a:p>
             <a:fld id="{E26F7E3A-B166-407D-9866-32884E7D5B37}" type="datetimeFigureOut">
               <a:rPr lang="en-US" dirty="0"/>
-              <a:t>10/19/2017</a:t>
+              <a:t>10/30/2017</a:t>
             </a:fld>
             <a:endParaRPr lang="en-US" dirty="0"/>
           </a:p>
@@ -1531,7 +1532,7 @@
           <a:p>
             <a:fld id="{528FC5F6-F338-4AE4-BB23-26385BCFC423}" type="datetimeFigureOut">
               <a:rPr lang="en-US" dirty="0"/>
-              <a:t>10/19/2017</a:t>
+              <a:t>10/30/2017</a:t>
             </a:fld>
             <a:endParaRPr lang="en-US" dirty="0"/>
           </a:p>
@@ -1869,7 +1870,7 @@
           <a:p>
             <a:fld id="{20EBB0C4-6273-4C6E-B9BD-2EDC30F1CD52}" type="datetimeFigureOut">
               <a:rPr lang="en-US" dirty="0"/>
-              <a:t>10/19/2017</a:t>
+              <a:t>10/30/2017</a:t>
             </a:fld>
             <a:endParaRPr lang="en-US" dirty="0"/>
           </a:p>
@@ -2139,7 +2140,7 @@
           <a:p>
             <a:fld id="{19AB4D41-86C1-4908-B66A-0B50CEB3BF29}" type="datetimeFigureOut">
               <a:rPr lang="en-US" dirty="0"/>
-              <a:t>10/19/2017</a:t>
+              <a:t>10/30/2017</a:t>
             </a:fld>
             <a:endParaRPr lang="en-US" dirty="0"/>
           </a:p>
@@ -2513,7 +2514,7 @@
           <a:p>
             <a:fld id="{E6426E2C-56C1-4E0D-A793-0088A7FDD37E}" type="datetimeFigureOut">
               <a:rPr lang="en-US" dirty="0"/>
-              <a:t>10/19/2017</a:t>
+              <a:t>10/30/2017</a:t>
             </a:fld>
             <a:endParaRPr lang="en-US" dirty="0"/>
           </a:p>
@@ -2626,7 +2627,7 @@
           <a:p>
             <a:fld id="{C8C39B41-D8B5-4052-B551-9B5525EAA8B6}" type="datetimeFigureOut">
               <a:rPr lang="en-US" dirty="0"/>
-              <a:t>10/19/2017</a:t>
+              <a:t>10/30/2017</a:t>
             </a:fld>
             <a:endParaRPr lang="en-US" dirty="0"/>
           </a:p>
@@ -2792,7 +2793,7 @@
           <a:p>
             <a:fld id="{4D94136C-8742-45B2-AF27-D93DF72833A9}" type="datetimeFigureOut">
               <a:rPr lang="en-US" dirty="0"/>
-              <a:t>10/19/2017</a:t>
+              <a:t>10/30/2017</a:t>
             </a:fld>
             <a:endParaRPr lang="en-US" dirty="0"/>
           </a:p>
@@ -3142,7 +3143,7 @@
           <a:p>
             <a:fld id="{32ABBEA6-7C60-4B02-AE87-00D78D8422AF}" type="datetimeFigureOut">
               <a:rPr lang="en-US" dirty="0"/>
-              <a:t>10/19/2017</a:t>
+              <a:t>10/30/2017</a:t>
             </a:fld>
             <a:endParaRPr lang="en-US" dirty="0"/>
           </a:p>
@@ -3517,7 +3518,7 @@
           <a:p>
             <a:fld id="{C9CAD897-D46E-4AD2-BD9B-49DD3E640873}" type="datetimeFigureOut">
               <a:rPr lang="en-US" dirty="0"/>
-              <a:t>10/19/2017</a:t>
+              <a:t>10/30/2017</a:t>
             </a:fld>
             <a:endParaRPr lang="en-US" dirty="0"/>
           </a:p>
@@ -3799,7 +3800,7 @@
           <a:p>
             <a:fld id="{98624D31-43A5-475A-80CF-332C9F6DCF35}" type="datetimeFigureOut">
               <a:rPr lang="en-US" dirty="0"/>
-              <a:t>10/19/2017</a:t>
+              <a:t>10/30/2017</a:t>
             </a:fld>
             <a:endParaRPr lang="en-US" dirty="0"/>
           </a:p>
@@ -4325,11 +4326,7 @@
           </p:cNvSpPr>
           <p:nvPr>
             <p:ph type="ctrTitle"/>
-            <p:extLst>
-              <p:ext uri="{D42A27DB-BD31-4B8C-83A1-F6EECF244321}">
-                <p14:modId xmlns:p14="http://schemas.microsoft.com/office/powerpoint/2010/main" val="3212421705"/>
-              </p:ext>
-            </p:extLst>
+            <p:extLst/>
           </p:nvPr>
         </p:nvSpPr>
         <p:spPr/>
@@ -4352,11 +4349,7 @@
           </p:cNvSpPr>
           <p:nvPr>
             <p:ph type="subTitle" idx="1"/>
-            <p:extLst>
-              <p:ext uri="{D42A27DB-BD31-4B8C-83A1-F6EECF244321}">
-                <p14:modId xmlns:p14="http://schemas.microsoft.com/office/powerpoint/2010/main" val="4047188122"/>
-              </p:ext>
-            </p:extLst>
+            <p:extLst/>
           </p:nvPr>
         </p:nvSpPr>
         <p:spPr/>
@@ -8423,11 +8416,7 @@
           </p:cNvSpPr>
           <p:nvPr>
             <p:ph type="title"/>
-            <p:extLst>
-              <p:ext uri="{D42A27DB-BD31-4B8C-83A1-F6EECF244321}">
-                <p14:modId xmlns:p14="http://schemas.microsoft.com/office/powerpoint/2010/main" val="3351496175"/>
-              </p:ext>
-            </p:extLst>
+            <p:extLst/>
           </p:nvPr>
         </p:nvSpPr>
         <p:spPr/>
@@ -8450,11 +8439,7 @@
           </p:cNvSpPr>
           <p:nvPr>
             <p:ph idx="1"/>
-            <p:extLst>
-              <p:ext uri="{D42A27DB-BD31-4B8C-83A1-F6EECF244321}">
-                <p14:modId xmlns:p14="http://schemas.microsoft.com/office/powerpoint/2010/main" val="2557329642"/>
-              </p:ext>
-            </p:extLst>
+            <p:extLst/>
           </p:nvPr>
         </p:nvSpPr>
         <p:spPr/>
@@ -12298,11 +12283,7 @@
           </p:cNvSpPr>
           <p:nvPr>
             <p:ph type="title"/>
-            <p:extLst>
-              <p:ext uri="{D42A27DB-BD31-4B8C-83A1-F6EECF244321}">
-                <p14:modId xmlns:p14="http://schemas.microsoft.com/office/powerpoint/2010/main" val="657451467"/>
-              </p:ext>
-            </p:extLst>
+            <p:extLst/>
           </p:nvPr>
         </p:nvSpPr>
         <p:spPr/>
@@ -12325,11 +12306,7 @@
           </p:cNvSpPr>
           <p:nvPr>
             <p:ph idx="1"/>
-            <p:extLst>
-              <p:ext uri="{D42A27DB-BD31-4B8C-83A1-F6EECF244321}">
-                <p14:modId xmlns:p14="http://schemas.microsoft.com/office/powerpoint/2010/main" val="97301370"/>
-              </p:ext>
-            </p:extLst>
+            <p:extLst/>
           </p:nvPr>
         </p:nvSpPr>
         <p:spPr/>
@@ -14618,6 +14595,138 @@
 </file>
 
 <file path=ppt/slides/slide36.xml><?xml version="1.0" encoding="utf-8"?>
+<p:sld xmlns:a="http://schemas.openxmlformats.org/drawingml/2006/main" xmlns:r="http://schemas.openxmlformats.org/officeDocument/2006/relationships" xmlns:p="http://schemas.openxmlformats.org/presentationml/2006/main">
+  <p:cSld>
+    <p:spTree>
+      <p:nvGrpSpPr>
+        <p:cNvPr id="1" name=""/>
+        <p:cNvGrpSpPr/>
+        <p:nvPr/>
+      </p:nvGrpSpPr>
+      <p:grpSpPr>
+        <a:xfrm>
+          <a:off x="0" y="0"/>
+          <a:ext cx="0" cy="0"/>
+          <a:chOff x="0" y="0"/>
+          <a:chExt cx="0" cy="0"/>
+        </a:xfrm>
+      </p:grpSpPr>
+      <p:sp>
+        <p:nvSpPr>
+          <p:cNvPr id="2" name="Title 1">
+            <a:extLst>
+              <a:ext uri="{FF2B5EF4-FFF2-40B4-BE49-F238E27FC236}">
+                <a16:creationId xmlns:a16="http://schemas.microsoft.com/office/drawing/2014/main" id="{93850857-73AB-4BA6-909E-64D65B9AE4F0}"/>
+              </a:ext>
+            </a:extLst>
+          </p:cNvPr>
+          <p:cNvSpPr>
+            <a:spLocks noGrp="1"/>
+          </p:cNvSpPr>
+          <p:nvPr>
+            <p:ph type="title"/>
+          </p:nvPr>
+        </p:nvSpPr>
+        <p:spPr/>
+        <p:txBody>
+          <a:bodyPr/>
+          <a:lstStyle/>
+          <a:p>
+            <a:r>
+              <a:rPr lang="en-US" dirty="0"/>
+              <a:t>Join </a:t>
+            </a:r>
+            <a:r>
+              <a:rPr lang="en-US" dirty="0" err="1"/>
+              <a:t>RxPy</a:t>
+            </a:r>
+            <a:r>
+              <a:rPr lang="en-US" dirty="0"/>
+              <a:t> Community</a:t>
+            </a:r>
+          </a:p>
+        </p:txBody>
+      </p:sp>
+      <p:sp>
+        <p:nvSpPr>
+          <p:cNvPr id="3" name="Content Placeholder 2">
+            <a:extLst>
+              <a:ext uri="{FF2B5EF4-FFF2-40B4-BE49-F238E27FC236}">
+                <a16:creationId xmlns:a16="http://schemas.microsoft.com/office/drawing/2014/main" id="{129FFD58-73E7-4B87-8615-D8B23B37A7C2}"/>
+              </a:ext>
+            </a:extLst>
+          </p:cNvPr>
+          <p:cNvSpPr>
+            <a:spLocks noGrp="1"/>
+          </p:cNvSpPr>
+          <p:nvPr>
+            <p:ph idx="1"/>
+          </p:nvPr>
+        </p:nvSpPr>
+        <p:spPr/>
+        <p:txBody>
+          <a:bodyPr/>
+          <a:lstStyle/>
+          <a:p>
+            <a:r>
+              <a:rPr lang="en-US" dirty="0" err="1"/>
+              <a:t>PySlackers</a:t>
+            </a:r>
+            <a:r>
+              <a:rPr lang="en-US" dirty="0"/>
+              <a:t> hosts a Slack community with an #</a:t>
+            </a:r>
+            <a:r>
+              <a:rPr lang="en-US" dirty="0" err="1"/>
+              <a:t>rxpy</a:t>
+            </a:r>
+            <a:r>
+              <a:rPr lang="en-US" dirty="0"/>
+              <a:t> channel. </a:t>
+            </a:r>
+          </a:p>
+          <a:p>
+            <a:r>
+              <a:rPr lang="en-US" dirty="0">
+                <a:hlinkClick r:id="rId2"/>
+              </a:rPr>
+              <a:t>https://pyslackers.com/</a:t>
+            </a:r>
+            <a:endParaRPr lang="en-US" dirty="0"/>
+          </a:p>
+          <a:p>
+            <a:endParaRPr lang="en-US" dirty="0"/>
+          </a:p>
+          <a:p>
+            <a:r>
+              <a:rPr lang="en-US" dirty="0"/>
+              <a:t>Join us for help, discussions, and ideas for </a:t>
+            </a:r>
+            <a:r>
+              <a:rPr lang="en-US" dirty="0" err="1"/>
+              <a:t>RxPy</a:t>
+            </a:r>
+            <a:r>
+              <a:rPr lang="en-US" dirty="0"/>
+              <a:t>!</a:t>
+            </a:r>
+          </a:p>
+        </p:txBody>
+      </p:sp>
+    </p:spTree>
+    <p:extLst>
+      <p:ext uri="{BB962C8B-B14F-4D97-AF65-F5344CB8AC3E}">
+        <p14:creationId xmlns:p14="http://schemas.microsoft.com/office/powerpoint/2010/main" val="386809875"/>
+      </p:ext>
+    </p:extLst>
+  </p:cSld>
+  <p:clrMapOvr>
+    <a:masterClrMapping/>
+  </p:clrMapOvr>
+</p:sld>
+</file>
+
+<file path=ppt/slides/slide37.xml><?xml version="1.0" encoding="utf-8"?>
 <p:sld xmlns:a="http://schemas.openxmlformats.org/drawingml/2006/main" xmlns:r="http://schemas.openxmlformats.org/officeDocument/2006/relationships" xmlns:p="http://schemas.openxmlformats.org/presentationml/2006/main">
   <p:cSld>
     <p:spTree>
